--- a/docs/K-Means con OpenMP.pptx
+++ b/docs/K-Means con OpenMP.pptx
@@ -237,7 +237,7 @@
             <a:fld id="{45BF3CCC-77DD-F84F-A249-CA3C5045A043}" type="datetime1">
               <a:rPr lang="it-IT" smtClean="0"/>
               <a:pPr/>
-              <a:t>24/02/2024</a:t>
+              <a:t>26/02/2024</a:t>
             </a:fld>
             <a:endParaRPr lang="it-IT"/>
           </a:p>
@@ -405,7 +405,7 @@
             <a:fld id="{FE692227-D6DC-FD45-9507-DB2BAD58473C}" type="datetime1">
               <a:rPr lang="it-IT" smtClean="0"/>
               <a:pPr/>
-              <a:t>24/02/2024</a:t>
+              <a:t>26/02/2024</a:t>
             </a:fld>
             <a:endParaRPr lang="it-IT"/>
           </a:p>
@@ -3555,7 +3555,7 @@
             <a:fld id="{AD8BF249-6BAC-CD40-AAE9-334F110649E5}" type="datetimeFigureOut">
               <a:rPr lang="it-IT" smtClean="0"/>
               <a:pPr/>
-              <a:t>24/02/2024</a:t>
+              <a:t>26/02/2024</a:t>
             </a:fld>
             <a:endParaRPr lang="it-IT"/>
           </a:p>
@@ -3725,7 +3725,7 @@
             <a:fld id="{AD8BF249-6BAC-CD40-AAE9-334F110649E5}" type="datetimeFigureOut">
               <a:rPr lang="it-IT" smtClean="0"/>
               <a:pPr/>
-              <a:t>24/02/2024</a:t>
+              <a:t>26/02/2024</a:t>
             </a:fld>
             <a:endParaRPr lang="it-IT"/>
           </a:p>
@@ -3905,7 +3905,7 @@
             <a:fld id="{AD8BF249-6BAC-CD40-AAE9-334F110649E5}" type="datetimeFigureOut">
               <a:rPr lang="it-IT" smtClean="0"/>
               <a:pPr/>
-              <a:t>24/02/2024</a:t>
+              <a:t>26/02/2024</a:t>
             </a:fld>
             <a:endParaRPr lang="it-IT"/>
           </a:p>
@@ -4075,7 +4075,7 @@
             <a:fld id="{AD8BF249-6BAC-CD40-AAE9-334F110649E5}" type="datetimeFigureOut">
               <a:rPr lang="it-IT" smtClean="0"/>
               <a:pPr/>
-              <a:t>24/02/2024</a:t>
+              <a:t>26/02/2024</a:t>
             </a:fld>
             <a:endParaRPr lang="it-IT"/>
           </a:p>
@@ -4322,7 +4322,7 @@
             <a:fld id="{AD8BF249-6BAC-CD40-AAE9-334F110649E5}" type="datetimeFigureOut">
               <a:rPr lang="it-IT" smtClean="0"/>
               <a:pPr/>
-              <a:t>24/02/2024</a:t>
+              <a:t>26/02/2024</a:t>
             </a:fld>
             <a:endParaRPr lang="it-IT"/>
           </a:p>
@@ -4609,7 +4609,7 @@
             <a:fld id="{AD8BF249-6BAC-CD40-AAE9-334F110649E5}" type="datetimeFigureOut">
               <a:rPr lang="it-IT" smtClean="0"/>
               <a:pPr/>
-              <a:t>24/02/2024</a:t>
+              <a:t>26/02/2024</a:t>
             </a:fld>
             <a:endParaRPr lang="it-IT"/>
           </a:p>
@@ -5030,7 +5030,7 @@
             <a:fld id="{AD8BF249-6BAC-CD40-AAE9-334F110649E5}" type="datetimeFigureOut">
               <a:rPr lang="it-IT" smtClean="0"/>
               <a:pPr/>
-              <a:t>24/02/2024</a:t>
+              <a:t>26/02/2024</a:t>
             </a:fld>
             <a:endParaRPr lang="it-IT"/>
           </a:p>
@@ -5149,7 +5149,7 @@
             <a:fld id="{AD8BF249-6BAC-CD40-AAE9-334F110649E5}" type="datetimeFigureOut">
               <a:rPr lang="it-IT" smtClean="0"/>
               <a:pPr/>
-              <a:t>24/02/2024</a:t>
+              <a:t>26/02/2024</a:t>
             </a:fld>
             <a:endParaRPr lang="it-IT"/>
           </a:p>
@@ -5246,7 +5246,7 @@
             <a:fld id="{AD8BF249-6BAC-CD40-AAE9-334F110649E5}" type="datetimeFigureOut">
               <a:rPr lang="it-IT" smtClean="0"/>
               <a:pPr/>
-              <a:t>24/02/2024</a:t>
+              <a:t>26/02/2024</a:t>
             </a:fld>
             <a:endParaRPr lang="it-IT"/>
           </a:p>
@@ -5523,7 +5523,7 @@
             <a:fld id="{AD8BF249-6BAC-CD40-AAE9-334F110649E5}" type="datetimeFigureOut">
               <a:rPr lang="it-IT" smtClean="0"/>
               <a:pPr/>
-              <a:t>24/02/2024</a:t>
+              <a:t>26/02/2024</a:t>
             </a:fld>
             <a:endParaRPr lang="it-IT"/>
           </a:p>
@@ -5777,7 +5777,7 @@
             <a:fld id="{AD8BF249-6BAC-CD40-AAE9-334F110649E5}" type="datetimeFigureOut">
               <a:rPr lang="it-IT" smtClean="0"/>
               <a:pPr/>
-              <a:t>24/02/2024</a:t>
+              <a:t>26/02/2024</a:t>
             </a:fld>
             <a:endParaRPr lang="it-IT"/>
           </a:p>
@@ -5990,7 +5990,7 @@
             <a:fld id="{AD8BF249-6BAC-CD40-AAE9-334F110649E5}" type="datetimeFigureOut">
               <a:rPr lang="it-IT" smtClean="0"/>
               <a:pPr/>
-              <a:t>24/02/2024</a:t>
+              <a:t>26/02/2024</a:t>
             </a:fld>
             <a:endParaRPr lang="it-IT"/>
           </a:p>
@@ -6815,8 +6815,8 @@
         </p:nvSpPr>
         <p:spPr>
           <a:xfrm>
-            <a:off x="7302085" y="51433"/>
-            <a:ext cx="1391728" cy="215444"/>
+            <a:off x="7423914" y="51433"/>
+            <a:ext cx="1269899" cy="215444"/>
           </a:xfrm>
           <a:prstGeom prst="rect">
             <a:avLst/>
@@ -6838,8 +6838,25 @@
                 <a:latin typeface="Arial"/>
                 <a:cs typeface="Arial"/>
               </a:rPr>
-              <a:t>CUDA Image Processing</a:t>
-            </a:r>
+              <a:t>K-Means con </a:t>
+            </a:r>
+            <a:r>
+              <a:rPr lang="it-IT" sz="800" b="1" dirty="0" err="1">
+                <a:solidFill>
+                  <a:schemeClr val="bg1"/>
+                </a:solidFill>
+                <a:latin typeface="Arial"/>
+                <a:cs typeface="Arial"/>
+              </a:rPr>
+              <a:t>OpenMP</a:t>
+            </a:r>
+            <a:endParaRPr lang="it-IT" sz="800" b="1" dirty="0">
+              <a:solidFill>
+                <a:schemeClr val="bg1"/>
+              </a:solidFill>
+              <a:latin typeface="Arial"/>
+              <a:cs typeface="Arial"/>
+            </a:endParaRPr>
           </a:p>
         </p:txBody>
       </p:sp>
@@ -7146,8 +7163,8 @@
         </p:nvSpPr>
         <p:spPr>
           <a:xfrm>
-            <a:off x="7302085" y="51433"/>
-            <a:ext cx="1391728" cy="215444"/>
+            <a:off x="7423914" y="51433"/>
+            <a:ext cx="1269899" cy="215444"/>
           </a:xfrm>
           <a:prstGeom prst="rect">
             <a:avLst/>
@@ -7169,8 +7186,25 @@
                 <a:latin typeface="Arial"/>
                 <a:cs typeface="Arial"/>
               </a:rPr>
-              <a:t>CUDA Image Processing</a:t>
-            </a:r>
+              <a:t>K-Means con </a:t>
+            </a:r>
+            <a:r>
+              <a:rPr lang="it-IT" sz="800" b="1" dirty="0" err="1">
+                <a:solidFill>
+                  <a:schemeClr val="bg1"/>
+                </a:solidFill>
+                <a:latin typeface="Arial"/>
+                <a:cs typeface="Arial"/>
+              </a:rPr>
+              <a:t>OpenMP</a:t>
+            </a:r>
+            <a:endParaRPr lang="it-IT" sz="800" b="1" dirty="0">
+              <a:solidFill>
+                <a:schemeClr val="bg1"/>
+              </a:solidFill>
+              <a:latin typeface="Arial"/>
+              <a:cs typeface="Arial"/>
+            </a:endParaRPr>
           </a:p>
         </p:txBody>
       </p:sp>
@@ -7486,8 +7520,8 @@
         </p:nvSpPr>
         <p:spPr>
           <a:xfrm>
-            <a:off x="7302085" y="51433"/>
-            <a:ext cx="1391728" cy="215444"/>
+            <a:off x="7423914" y="51433"/>
+            <a:ext cx="1269899" cy="215444"/>
           </a:xfrm>
           <a:prstGeom prst="rect">
             <a:avLst/>
@@ -7509,8 +7543,25 @@
                 <a:latin typeface="Arial"/>
                 <a:cs typeface="Arial"/>
               </a:rPr>
-              <a:t>CUDA Image Processing</a:t>
-            </a:r>
+              <a:t>K-Means con </a:t>
+            </a:r>
+            <a:r>
+              <a:rPr lang="it-IT" sz="800" b="1" dirty="0" err="1">
+                <a:solidFill>
+                  <a:schemeClr val="bg1"/>
+                </a:solidFill>
+                <a:latin typeface="Arial"/>
+                <a:cs typeface="Arial"/>
+              </a:rPr>
+              <a:t>OpenMP</a:t>
+            </a:r>
+            <a:endParaRPr lang="it-IT" sz="800" b="1" dirty="0">
+              <a:solidFill>
+                <a:schemeClr val="bg1"/>
+              </a:solidFill>
+              <a:latin typeface="Arial"/>
+              <a:cs typeface="Arial"/>
+            </a:endParaRPr>
           </a:p>
         </p:txBody>
       </p:sp>
@@ -7578,8 +7629,8 @@
         </p:blipFill>
         <p:spPr bwMode="auto">
           <a:xfrm>
-            <a:off x="3239912" y="1720312"/>
-            <a:ext cx="2664176" cy="4579824"/>
+            <a:off x="3239912" y="1875091"/>
+            <a:ext cx="2664176" cy="4270266"/>
           </a:xfrm>
           <a:prstGeom prst="rect">
             <a:avLst/>
@@ -7870,8 +7921,8 @@
         </p:nvSpPr>
         <p:spPr>
           <a:xfrm>
-            <a:off x="7302085" y="51433"/>
-            <a:ext cx="1391728" cy="215444"/>
+            <a:off x="7423914" y="51433"/>
+            <a:ext cx="1269899" cy="215444"/>
           </a:xfrm>
           <a:prstGeom prst="rect">
             <a:avLst/>
@@ -7893,8 +7944,25 @@
                 <a:latin typeface="Arial"/>
                 <a:cs typeface="Arial"/>
               </a:rPr>
-              <a:t>CUDA Image Processing</a:t>
-            </a:r>
+              <a:t>K-Means con </a:t>
+            </a:r>
+            <a:r>
+              <a:rPr lang="it-IT" sz="800" b="1" dirty="0" err="1">
+                <a:solidFill>
+                  <a:schemeClr val="bg1"/>
+                </a:solidFill>
+                <a:latin typeface="Arial"/>
+                <a:cs typeface="Arial"/>
+              </a:rPr>
+              <a:t>OpenMP</a:t>
+            </a:r>
+            <a:endParaRPr lang="it-IT" sz="800" b="1" dirty="0">
+              <a:solidFill>
+                <a:schemeClr val="bg1"/>
+              </a:solidFill>
+              <a:latin typeface="Arial"/>
+              <a:cs typeface="Arial"/>
+            </a:endParaRPr>
           </a:p>
         </p:txBody>
       </p:sp>
@@ -9594,8 +9662,8 @@
         </p:nvSpPr>
         <p:spPr>
           <a:xfrm>
-            <a:off x="7302085" y="51433"/>
-            <a:ext cx="1391728" cy="215444"/>
+            <a:off x="7423914" y="51433"/>
+            <a:ext cx="1269899" cy="215444"/>
           </a:xfrm>
           <a:prstGeom prst="rect">
             <a:avLst/>
@@ -9617,8 +9685,25 @@
                 <a:latin typeface="Arial"/>
                 <a:cs typeface="Arial"/>
               </a:rPr>
-              <a:t>CUDA Image Processing</a:t>
-            </a:r>
+              <a:t>K-Means con </a:t>
+            </a:r>
+            <a:r>
+              <a:rPr lang="it-IT" sz="800" b="1" dirty="0" err="1">
+                <a:solidFill>
+                  <a:schemeClr val="bg1"/>
+                </a:solidFill>
+                <a:latin typeface="Arial"/>
+                <a:cs typeface="Arial"/>
+              </a:rPr>
+              <a:t>OpenMP</a:t>
+            </a:r>
+            <a:endParaRPr lang="it-IT" sz="800" b="1" dirty="0">
+              <a:solidFill>
+                <a:schemeClr val="bg1"/>
+              </a:solidFill>
+              <a:latin typeface="Arial"/>
+              <a:cs typeface="Arial"/>
+            </a:endParaRPr>
           </a:p>
         </p:txBody>
       </p:sp>
@@ -11383,8 +11468,8 @@
         </p:nvSpPr>
         <p:spPr>
           <a:xfrm>
-            <a:off x="7302085" y="51433"/>
-            <a:ext cx="1391728" cy="215444"/>
+            <a:off x="7423914" y="51433"/>
+            <a:ext cx="1269899" cy="215444"/>
           </a:xfrm>
           <a:prstGeom prst="rect">
             <a:avLst/>
@@ -11406,8 +11491,25 @@
                 <a:latin typeface="Arial"/>
                 <a:cs typeface="Arial"/>
               </a:rPr>
-              <a:t>CUDA Image Processing</a:t>
-            </a:r>
+              <a:t>K-Means con </a:t>
+            </a:r>
+            <a:r>
+              <a:rPr lang="it-IT" sz="800" b="1" dirty="0" err="1">
+                <a:solidFill>
+                  <a:schemeClr val="bg1"/>
+                </a:solidFill>
+                <a:latin typeface="Arial"/>
+                <a:cs typeface="Arial"/>
+              </a:rPr>
+              <a:t>OpenMP</a:t>
+            </a:r>
+            <a:endParaRPr lang="it-IT" sz="800" b="1" dirty="0">
+              <a:solidFill>
+                <a:schemeClr val="bg1"/>
+              </a:solidFill>
+              <a:latin typeface="Arial"/>
+              <a:cs typeface="Arial"/>
+            </a:endParaRPr>
           </a:p>
         </p:txBody>
       </p:sp>
@@ -11815,7 +11917,7 @@
             </a:r>
           </a:p>
           <a:p>
-            <a:pPr lvl="2"/>
+            <a:pPr lvl="3"/>
             <a:r>
               <a:rPr lang="en-US" sz="1100" dirty="0" err="1">
                 <a:solidFill>
@@ -11881,7 +11983,7 @@
             </a:r>
           </a:p>
           <a:p>
-            <a:pPr lvl="2"/>
+            <a:pPr lvl="3"/>
             <a:r>
               <a:rPr lang="en-US" sz="1100" dirty="0" err="1">
                 <a:solidFill>
@@ -11944,6 +12046,57 @@
                 <a:latin typeface="Cascadia Mono" panose="020B0609020000020004" pitchFamily="49" charset="0"/>
               </a:rPr>
               <a:t>;</a:t>
+            </a:r>
+          </a:p>
+          <a:p>
+            <a:pPr lvl="3"/>
+            <a:endParaRPr lang="en-US" sz="1100" dirty="0">
+              <a:solidFill>
+                <a:srgbClr val="000000"/>
+              </a:solidFill>
+              <a:latin typeface="Cascadia Mono" panose="020B0609020000020004" pitchFamily="49" charset="0"/>
+            </a:endParaRPr>
+          </a:p>
+          <a:p>
+            <a:pPr lvl="3"/>
+            <a:r>
+              <a:rPr lang="en-US" sz="1100" dirty="0" err="1">
+                <a:solidFill>
+                  <a:srgbClr val="000000"/>
+                </a:solidFill>
+                <a:latin typeface="Cascadia Mono" panose="020B0609020000020004" pitchFamily="49" charset="0"/>
+              </a:rPr>
+              <a:t>closestCentroidId</a:t>
+            </a:r>
+            <a:r>
+              <a:rPr lang="en-US" sz="1100" dirty="0">
+                <a:solidFill>
+                  <a:srgbClr val="000000"/>
+                </a:solidFill>
+                <a:latin typeface="Cascadia Mono" panose="020B0609020000020004" pitchFamily="49" charset="0"/>
+              </a:rPr>
+              <a:t> = 0;</a:t>
+            </a:r>
+          </a:p>
+          <a:p>
+            <a:pPr lvl="3"/>
+            <a:r>
+              <a:rPr lang="en-US" sz="1100" dirty="0" err="1">
+                <a:solidFill>
+                  <a:srgbClr val="000000"/>
+                </a:solidFill>
+                <a:latin typeface="Cascadia Mono" panose="020B0609020000020004" pitchFamily="49" charset="0"/>
+              </a:rPr>
+              <a:t>closestCentroidDist</a:t>
+            </a:r>
+            <a:r>
+              <a:rPr lang="en-US" sz="1100" dirty="0">
+                <a:solidFill>
+                  <a:srgbClr val="000000"/>
+                </a:solidFill>
+                <a:latin typeface="Cascadia Mono" panose="020B0609020000020004" pitchFamily="49" charset="0"/>
+              </a:rPr>
+              <a:t> = -1;</a:t>
             </a:r>
           </a:p>
           <a:p>
@@ -11956,49 +12109,16 @@
             </a:endParaRPr>
           </a:p>
           <a:p>
-            <a:pPr lvl="2"/>
-            <a:r>
-              <a:rPr lang="en-US" sz="1100" dirty="0" err="1">
-                <a:solidFill>
-                  <a:srgbClr val="000000"/>
-                </a:solidFill>
-                <a:latin typeface="Cascadia Mono" panose="020B0609020000020004" pitchFamily="49" charset="0"/>
-              </a:rPr>
-              <a:t>closestCentroidId</a:t>
-            </a:r>
-            <a:r>
-              <a:rPr lang="en-US" sz="1100" dirty="0">
-                <a:solidFill>
-                  <a:srgbClr val="000000"/>
-                </a:solidFill>
-                <a:latin typeface="Cascadia Mono" panose="020B0609020000020004" pitchFamily="49" charset="0"/>
-              </a:rPr>
-              <a:t> = 0;</a:t>
-            </a:r>
-          </a:p>
-          <a:p>
-            <a:pPr lvl="2"/>
-            <a:r>
-              <a:rPr lang="en-US" sz="1100" dirty="0" err="1">
-                <a:solidFill>
-                  <a:srgbClr val="000000"/>
-                </a:solidFill>
-                <a:latin typeface="Cascadia Mono" panose="020B0609020000020004" pitchFamily="49" charset="0"/>
-              </a:rPr>
-              <a:t>closestCentroidDist</a:t>
-            </a:r>
-            <a:r>
-              <a:rPr lang="en-US" sz="1100" dirty="0">
-                <a:solidFill>
-                  <a:srgbClr val="000000"/>
-                </a:solidFill>
-                <a:latin typeface="Cascadia Mono" panose="020B0609020000020004" pitchFamily="49" charset="0"/>
-              </a:rPr>
-              <a:t> = -1;</a:t>
-            </a:r>
-          </a:p>
-          <a:p>
-            <a:pPr lvl="2"/>
+            <a:pPr lvl="3"/>
+            <a:r>
+              <a:rPr lang="en-US" sz="1100" dirty="0">
+                <a:solidFill>
+                  <a:srgbClr val="008000"/>
+                </a:solidFill>
+                <a:latin typeface="Cascadia Mono" panose="020B0609020000020004" pitchFamily="49" charset="0"/>
+              </a:rPr>
+              <a:t>// find closest centroid to point</a:t>
+            </a:r>
             <a:endParaRPr lang="en-US" sz="1100" dirty="0">
               <a:solidFill>
                 <a:srgbClr val="000000"/>
@@ -12011,24 +12131,6 @@
             <a:r>
               <a:rPr lang="en-US" sz="1100" dirty="0">
                 <a:solidFill>
-                  <a:srgbClr val="008000"/>
-                </a:solidFill>
-                <a:latin typeface="Cascadia Mono" panose="020B0609020000020004" pitchFamily="49" charset="0"/>
-              </a:rPr>
-              <a:t>// find closest centroid to point</a:t>
-            </a:r>
-            <a:endParaRPr lang="en-US" sz="1100" dirty="0">
-              <a:solidFill>
-                <a:srgbClr val="000000"/>
-              </a:solidFill>
-              <a:latin typeface="Cascadia Mono" panose="020B0609020000020004" pitchFamily="49" charset="0"/>
-            </a:endParaRPr>
-          </a:p>
-          <a:p>
-            <a:pPr lvl="3"/>
-            <a:r>
-              <a:rPr lang="en-US" sz="1100" dirty="0">
-                <a:solidFill>
                   <a:srgbClr val="0000FF"/>
                 </a:solidFill>
                 <a:latin typeface="Cascadia Mono" panose="020B0609020000020004" pitchFamily="49" charset="0"/>
@@ -12100,7 +12202,7 @@
             </a:r>
           </a:p>
           <a:p>
-            <a:pPr lvl="3"/>
+            <a:pPr lvl="4"/>
             <a:r>
               <a:rPr lang="en-US" sz="1100" dirty="0" err="1">
                 <a:solidFill>
@@ -12184,7 +12286,7 @@
             </a:r>
           </a:p>
           <a:p>
-            <a:pPr lvl="3"/>
+            <a:pPr lvl="4"/>
             <a:r>
               <a:rPr lang="en-US" sz="1100" dirty="0" err="1">
                 <a:solidFill>
@@ -12268,7 +12370,7 @@
             </a:r>
           </a:p>
           <a:p>
-            <a:pPr lvl="3"/>
+            <a:pPr lvl="4"/>
             <a:r>
               <a:rPr lang="en-US" sz="1100" dirty="0">
                 <a:solidFill>
@@ -13070,8 +13172,8 @@
         </p:nvSpPr>
         <p:spPr>
           <a:xfrm>
-            <a:off x="7302085" y="51433"/>
-            <a:ext cx="1391728" cy="215444"/>
+            <a:off x="7423914" y="51433"/>
+            <a:ext cx="1269899" cy="215444"/>
           </a:xfrm>
           <a:prstGeom prst="rect">
             <a:avLst/>
@@ -13093,8 +13195,25 @@
                 <a:latin typeface="Arial"/>
                 <a:cs typeface="Arial"/>
               </a:rPr>
-              <a:t>CUDA Image Processing</a:t>
-            </a:r>
+              <a:t>K-Means con </a:t>
+            </a:r>
+            <a:r>
+              <a:rPr lang="it-IT" sz="800" b="1" dirty="0" err="1">
+                <a:solidFill>
+                  <a:schemeClr val="bg1"/>
+                </a:solidFill>
+                <a:latin typeface="Arial"/>
+                <a:cs typeface="Arial"/>
+              </a:rPr>
+              <a:t>OpenMP</a:t>
+            </a:r>
+            <a:endParaRPr lang="it-IT" sz="800" b="1" dirty="0">
+              <a:solidFill>
+                <a:schemeClr val="bg1"/>
+              </a:solidFill>
+              <a:latin typeface="Arial"/>
+              <a:cs typeface="Arial"/>
+            </a:endParaRPr>
           </a:p>
         </p:txBody>
       </p:sp>
@@ -13856,7 +13975,7 @@
             </a:r>
           </a:p>
           <a:p>
-            <a:pPr lvl="2"/>
+            <a:pPr lvl="3"/>
             <a:r>
               <a:rPr lang="en-US" sz="1100" dirty="0" err="1">
                 <a:solidFill>
@@ -13877,7 +13996,7 @@
             </a:r>
           </a:p>
           <a:p>
-            <a:pPr lvl="2"/>
+            <a:pPr lvl="3"/>
             <a:r>
               <a:rPr lang="en-US" sz="1100" dirty="0" err="1">
                 <a:solidFill>
@@ -13898,7 +14017,7 @@
             </a:r>
           </a:p>
           <a:p>
-            <a:pPr lvl="2"/>
+            <a:pPr lvl="3"/>
             <a:endParaRPr lang="en-US" sz="1100" dirty="0">
               <a:solidFill>
                 <a:srgbClr val="000000"/>
@@ -13907,7 +14026,7 @@
             </a:endParaRPr>
           </a:p>
           <a:p>
-            <a:pPr lvl="2"/>
+            <a:pPr lvl="3"/>
             <a:r>
               <a:rPr lang="en-US" sz="1100" dirty="0" err="1">
                 <a:solidFill>
@@ -13991,7 +14110,7 @@
             </a:r>
           </a:p>
           <a:p>
-            <a:pPr lvl="2"/>
+            <a:pPr lvl="3"/>
             <a:r>
               <a:rPr lang="en-US" sz="1100" dirty="0" err="1">
                 <a:solidFill>
@@ -14075,7 +14194,7 @@
             </a:r>
           </a:p>
           <a:p>
-            <a:pPr lvl="2"/>
+            <a:pPr lvl="3"/>
             <a:r>
               <a:rPr lang="en-US" sz="1100" dirty="0">
                 <a:solidFill>
@@ -14534,8 +14653,8 @@
         </p:nvSpPr>
         <p:spPr>
           <a:xfrm>
-            <a:off x="7302085" y="51433"/>
-            <a:ext cx="1391728" cy="215444"/>
+            <a:off x="7423914" y="51433"/>
+            <a:ext cx="1269899" cy="215444"/>
           </a:xfrm>
           <a:prstGeom prst="rect">
             <a:avLst/>
@@ -14557,8 +14676,25 @@
                 <a:latin typeface="Arial"/>
                 <a:cs typeface="Arial"/>
               </a:rPr>
-              <a:t>CUDA Image Processing</a:t>
-            </a:r>
+              <a:t>K-Means con </a:t>
+            </a:r>
+            <a:r>
+              <a:rPr lang="it-IT" sz="800" b="1" dirty="0" err="1">
+                <a:solidFill>
+                  <a:schemeClr val="bg1"/>
+                </a:solidFill>
+                <a:latin typeface="Arial"/>
+                <a:cs typeface="Arial"/>
+              </a:rPr>
+              <a:t>OpenMP</a:t>
+            </a:r>
+            <a:endParaRPr lang="it-IT" sz="800" b="1" dirty="0">
+              <a:solidFill>
+                <a:schemeClr val="bg1"/>
+              </a:solidFill>
+              <a:latin typeface="Arial"/>
+              <a:cs typeface="Arial"/>
+            </a:endParaRPr>
           </a:p>
         </p:txBody>
       </p:sp>
@@ -14686,7 +14822,7 @@
         <p:spPr>
           <a:xfrm>
             <a:off x="0" y="750344"/>
-            <a:ext cx="9270815" cy="6170920"/>
+            <a:ext cx="9270815" cy="6186309"/>
           </a:xfrm>
           <a:prstGeom prst="rect">
             <a:avLst/>
@@ -14699,7 +14835,7 @@
           </a:bodyPr>
           <a:lstStyle/>
           <a:p>
-            <a:pPr lvl="2"/>
+            <a:pPr lvl="3"/>
             <a:r>
               <a:rPr lang="en-US" sz="1100" dirty="0">
                 <a:solidFill>
@@ -14717,7 +14853,7 @@
             </a:endParaRPr>
           </a:p>
           <a:p>
-            <a:pPr lvl="2"/>
+            <a:pPr lvl="3"/>
             <a:r>
               <a:rPr lang="en-US" sz="1100" dirty="0">
                 <a:solidFill>
@@ -14792,7 +14928,7 @@
             </a:r>
           </a:p>
           <a:p>
-            <a:pPr lvl="2"/>
+            <a:pPr lvl="3"/>
             <a:r>
               <a:rPr lang="en-US" sz="1100" dirty="0">
                 <a:solidFill>
@@ -14903,15 +15039,717 @@
             </a:r>
           </a:p>
           <a:p>
+            <a:pPr lvl="4"/>
+            <a:r>
+              <a:rPr lang="en-US" sz="1100" dirty="0" err="1">
+                <a:solidFill>
+                  <a:srgbClr val="000000"/>
+                </a:solidFill>
+                <a:latin typeface="Cascadia Mono" panose="020B0609020000020004" pitchFamily="49" charset="0"/>
+              </a:rPr>
+              <a:t>centroidId</a:t>
+            </a:r>
+            <a:r>
+              <a:rPr lang="en-US" sz="1100" dirty="0">
+                <a:solidFill>
+                  <a:srgbClr val="000000"/>
+                </a:solidFill>
+                <a:latin typeface="Cascadia Mono" panose="020B0609020000020004" pitchFamily="49" charset="0"/>
+              </a:rPr>
+              <a:t> = </a:t>
+            </a:r>
+            <a:r>
+              <a:rPr lang="en-US" sz="1100" dirty="0" err="1">
+                <a:solidFill>
+                  <a:srgbClr val="000000"/>
+                </a:solidFill>
+                <a:latin typeface="Cascadia Mono" panose="020B0609020000020004" pitchFamily="49" charset="0"/>
+              </a:rPr>
+              <a:t>points.centroidIds</a:t>
+            </a:r>
+            <a:r>
+              <a:rPr lang="en-US" sz="1100" dirty="0">
+                <a:solidFill>
+                  <a:srgbClr val="008080"/>
+                </a:solidFill>
+                <a:latin typeface="Cascadia Mono" panose="020B0609020000020004" pitchFamily="49" charset="0"/>
+              </a:rPr>
+              <a:t>[</a:t>
+            </a:r>
+            <a:r>
+              <a:rPr lang="en-US" sz="1100" dirty="0" err="1">
+                <a:solidFill>
+                  <a:srgbClr val="000000"/>
+                </a:solidFill>
+                <a:latin typeface="Cascadia Mono" panose="020B0609020000020004" pitchFamily="49" charset="0"/>
+              </a:rPr>
+              <a:t>i</a:t>
+            </a:r>
+            <a:r>
+              <a:rPr lang="en-US" sz="1100" dirty="0">
+                <a:solidFill>
+                  <a:srgbClr val="008080"/>
+                </a:solidFill>
+                <a:latin typeface="Cascadia Mono" panose="020B0609020000020004" pitchFamily="49" charset="0"/>
+              </a:rPr>
+              <a:t>]</a:t>
+            </a:r>
+            <a:r>
+              <a:rPr lang="en-US" sz="1100" dirty="0">
+                <a:solidFill>
+                  <a:srgbClr val="000000"/>
+                </a:solidFill>
+                <a:latin typeface="Cascadia Mono" panose="020B0609020000020004" pitchFamily="49" charset="0"/>
+              </a:rPr>
+              <a:t>;</a:t>
+            </a:r>
+          </a:p>
+          <a:p>
+            <a:pPr lvl="4"/>
+            <a:r>
+              <a:rPr lang="en-US" sz="1100" dirty="0" err="1">
+                <a:solidFill>
+                  <a:srgbClr val="000000"/>
+                </a:solidFill>
+                <a:latin typeface="Cascadia Mono" panose="020B0609020000020004" pitchFamily="49" charset="0"/>
+              </a:rPr>
+              <a:t>deltaX</a:t>
+            </a:r>
+            <a:r>
+              <a:rPr lang="en-US" sz="1100" dirty="0">
+                <a:solidFill>
+                  <a:srgbClr val="000000"/>
+                </a:solidFill>
+                <a:latin typeface="Cascadia Mono" panose="020B0609020000020004" pitchFamily="49" charset="0"/>
+              </a:rPr>
+              <a:t> = </a:t>
+            </a:r>
+            <a:r>
+              <a:rPr lang="en-US" sz="1100" dirty="0" err="1">
+                <a:solidFill>
+                  <a:srgbClr val="000000"/>
+                </a:solidFill>
+                <a:latin typeface="Cascadia Mono" panose="020B0609020000020004" pitchFamily="49" charset="0"/>
+              </a:rPr>
+              <a:t>centroids.posX</a:t>
+            </a:r>
+            <a:r>
+              <a:rPr lang="en-US" sz="1100" dirty="0">
+                <a:solidFill>
+                  <a:srgbClr val="008080"/>
+                </a:solidFill>
+                <a:latin typeface="Cascadia Mono" panose="020B0609020000020004" pitchFamily="49" charset="0"/>
+              </a:rPr>
+              <a:t>[</a:t>
+            </a:r>
+            <a:r>
+              <a:rPr lang="en-US" sz="1100" dirty="0" err="1">
+                <a:solidFill>
+                  <a:srgbClr val="000000"/>
+                </a:solidFill>
+                <a:latin typeface="Cascadia Mono" panose="020B0609020000020004" pitchFamily="49" charset="0"/>
+              </a:rPr>
+              <a:t>centroidId</a:t>
+            </a:r>
+            <a:r>
+              <a:rPr lang="en-US" sz="1100" dirty="0">
+                <a:solidFill>
+                  <a:srgbClr val="008080"/>
+                </a:solidFill>
+                <a:latin typeface="Cascadia Mono" panose="020B0609020000020004" pitchFamily="49" charset="0"/>
+              </a:rPr>
+              <a:t>]</a:t>
+            </a:r>
+            <a:r>
+              <a:rPr lang="en-US" sz="1100" dirty="0">
+                <a:solidFill>
+                  <a:srgbClr val="000000"/>
+                </a:solidFill>
+                <a:latin typeface="Cascadia Mono" panose="020B0609020000020004" pitchFamily="49" charset="0"/>
+              </a:rPr>
+              <a:t> - </a:t>
+            </a:r>
+            <a:r>
+              <a:rPr lang="en-US" sz="1100" dirty="0" err="1">
+                <a:solidFill>
+                  <a:srgbClr val="000000"/>
+                </a:solidFill>
+                <a:latin typeface="Cascadia Mono" panose="020B0609020000020004" pitchFamily="49" charset="0"/>
+              </a:rPr>
+              <a:t>points.posX</a:t>
+            </a:r>
+            <a:r>
+              <a:rPr lang="en-US" sz="1100" dirty="0">
+                <a:solidFill>
+                  <a:srgbClr val="008080"/>
+                </a:solidFill>
+                <a:latin typeface="Cascadia Mono" panose="020B0609020000020004" pitchFamily="49" charset="0"/>
+              </a:rPr>
+              <a:t>[</a:t>
+            </a:r>
+            <a:r>
+              <a:rPr lang="en-US" sz="1100" dirty="0" err="1">
+                <a:solidFill>
+                  <a:srgbClr val="000000"/>
+                </a:solidFill>
+                <a:latin typeface="Cascadia Mono" panose="020B0609020000020004" pitchFamily="49" charset="0"/>
+              </a:rPr>
+              <a:t>i</a:t>
+            </a:r>
+            <a:r>
+              <a:rPr lang="en-US" sz="1100" dirty="0">
+                <a:solidFill>
+                  <a:srgbClr val="008080"/>
+                </a:solidFill>
+                <a:latin typeface="Cascadia Mono" panose="020B0609020000020004" pitchFamily="49" charset="0"/>
+              </a:rPr>
+              <a:t>]</a:t>
+            </a:r>
+            <a:r>
+              <a:rPr lang="en-US" sz="1100" dirty="0">
+                <a:solidFill>
+                  <a:srgbClr val="000000"/>
+                </a:solidFill>
+                <a:latin typeface="Cascadia Mono" panose="020B0609020000020004" pitchFamily="49" charset="0"/>
+              </a:rPr>
+              <a:t>;</a:t>
+            </a:r>
+          </a:p>
+          <a:p>
+            <a:pPr lvl="4"/>
+            <a:r>
+              <a:rPr lang="en-US" sz="1100" dirty="0" err="1">
+                <a:solidFill>
+                  <a:srgbClr val="000000"/>
+                </a:solidFill>
+                <a:latin typeface="Cascadia Mono" panose="020B0609020000020004" pitchFamily="49" charset="0"/>
+              </a:rPr>
+              <a:t>deltaY</a:t>
+            </a:r>
+            <a:r>
+              <a:rPr lang="en-US" sz="1100" dirty="0">
+                <a:solidFill>
+                  <a:srgbClr val="000000"/>
+                </a:solidFill>
+                <a:latin typeface="Cascadia Mono" panose="020B0609020000020004" pitchFamily="49" charset="0"/>
+              </a:rPr>
+              <a:t> = </a:t>
+            </a:r>
+            <a:r>
+              <a:rPr lang="en-US" sz="1100" dirty="0" err="1">
+                <a:solidFill>
+                  <a:srgbClr val="000000"/>
+                </a:solidFill>
+                <a:latin typeface="Cascadia Mono" panose="020B0609020000020004" pitchFamily="49" charset="0"/>
+              </a:rPr>
+              <a:t>centroids.posY</a:t>
+            </a:r>
+            <a:r>
+              <a:rPr lang="en-US" sz="1100" dirty="0">
+                <a:solidFill>
+                  <a:srgbClr val="008080"/>
+                </a:solidFill>
+                <a:latin typeface="Cascadia Mono" panose="020B0609020000020004" pitchFamily="49" charset="0"/>
+              </a:rPr>
+              <a:t>[</a:t>
+            </a:r>
+            <a:r>
+              <a:rPr lang="en-US" sz="1100" dirty="0" err="1">
+                <a:solidFill>
+                  <a:srgbClr val="000000"/>
+                </a:solidFill>
+                <a:latin typeface="Cascadia Mono" panose="020B0609020000020004" pitchFamily="49" charset="0"/>
+              </a:rPr>
+              <a:t>centroidId</a:t>
+            </a:r>
+            <a:r>
+              <a:rPr lang="en-US" sz="1100" dirty="0">
+                <a:solidFill>
+                  <a:srgbClr val="008080"/>
+                </a:solidFill>
+                <a:latin typeface="Cascadia Mono" panose="020B0609020000020004" pitchFamily="49" charset="0"/>
+              </a:rPr>
+              <a:t>]</a:t>
+            </a:r>
+            <a:r>
+              <a:rPr lang="en-US" sz="1100" dirty="0">
+                <a:solidFill>
+                  <a:srgbClr val="000000"/>
+                </a:solidFill>
+                <a:latin typeface="Cascadia Mono" panose="020B0609020000020004" pitchFamily="49" charset="0"/>
+              </a:rPr>
+              <a:t> - </a:t>
+            </a:r>
+            <a:r>
+              <a:rPr lang="en-US" sz="1100" dirty="0" err="1">
+                <a:solidFill>
+                  <a:srgbClr val="000000"/>
+                </a:solidFill>
+                <a:latin typeface="Cascadia Mono" panose="020B0609020000020004" pitchFamily="49" charset="0"/>
+              </a:rPr>
+              <a:t>points.posY</a:t>
+            </a:r>
+            <a:r>
+              <a:rPr lang="en-US" sz="1100" dirty="0">
+                <a:solidFill>
+                  <a:srgbClr val="008080"/>
+                </a:solidFill>
+                <a:latin typeface="Cascadia Mono" panose="020B0609020000020004" pitchFamily="49" charset="0"/>
+              </a:rPr>
+              <a:t>[</a:t>
+            </a:r>
+            <a:r>
+              <a:rPr lang="en-US" sz="1100" dirty="0" err="1">
+                <a:solidFill>
+                  <a:srgbClr val="000000"/>
+                </a:solidFill>
+                <a:latin typeface="Cascadia Mono" panose="020B0609020000020004" pitchFamily="49" charset="0"/>
+              </a:rPr>
+              <a:t>i</a:t>
+            </a:r>
+            <a:r>
+              <a:rPr lang="en-US" sz="1100" dirty="0">
+                <a:solidFill>
+                  <a:srgbClr val="008080"/>
+                </a:solidFill>
+                <a:latin typeface="Cascadia Mono" panose="020B0609020000020004" pitchFamily="49" charset="0"/>
+              </a:rPr>
+              <a:t>]</a:t>
+            </a:r>
+            <a:r>
+              <a:rPr lang="en-US" sz="1100" dirty="0">
+                <a:solidFill>
+                  <a:srgbClr val="000000"/>
+                </a:solidFill>
+                <a:latin typeface="Cascadia Mono" panose="020B0609020000020004" pitchFamily="49" charset="0"/>
+              </a:rPr>
+              <a:t>;</a:t>
+            </a:r>
+          </a:p>
+          <a:p>
+            <a:pPr lvl="4"/>
+            <a:r>
+              <a:rPr lang="en-US" sz="1100" dirty="0" err="1">
+                <a:solidFill>
+                  <a:srgbClr val="000000"/>
+                </a:solidFill>
+                <a:latin typeface="Cascadia Mono" panose="020B0609020000020004" pitchFamily="49" charset="0"/>
+              </a:rPr>
+              <a:t>currSse</a:t>
+            </a:r>
+            <a:r>
+              <a:rPr lang="en-US" sz="1100" dirty="0">
+                <a:solidFill>
+                  <a:srgbClr val="000000"/>
+                </a:solidFill>
+                <a:latin typeface="Cascadia Mono" panose="020B0609020000020004" pitchFamily="49" charset="0"/>
+              </a:rPr>
+              <a:t> += sqrt(</a:t>
+            </a:r>
+            <a:r>
+              <a:rPr lang="en-US" sz="1100" dirty="0" err="1">
+                <a:solidFill>
+                  <a:srgbClr val="000000"/>
+                </a:solidFill>
+                <a:latin typeface="Cascadia Mono" panose="020B0609020000020004" pitchFamily="49" charset="0"/>
+              </a:rPr>
+              <a:t>deltaX</a:t>
+            </a:r>
+            <a:r>
+              <a:rPr lang="en-US" sz="1100" dirty="0">
+                <a:solidFill>
+                  <a:srgbClr val="000000"/>
+                </a:solidFill>
+                <a:latin typeface="Cascadia Mono" panose="020B0609020000020004" pitchFamily="49" charset="0"/>
+              </a:rPr>
+              <a:t> * </a:t>
+            </a:r>
+            <a:r>
+              <a:rPr lang="en-US" sz="1100" dirty="0" err="1">
+                <a:solidFill>
+                  <a:srgbClr val="000000"/>
+                </a:solidFill>
+                <a:latin typeface="Cascadia Mono" panose="020B0609020000020004" pitchFamily="49" charset="0"/>
+              </a:rPr>
+              <a:t>deltaX</a:t>
+            </a:r>
+            <a:r>
+              <a:rPr lang="en-US" sz="1100" dirty="0">
+                <a:solidFill>
+                  <a:srgbClr val="000000"/>
+                </a:solidFill>
+                <a:latin typeface="Cascadia Mono" panose="020B0609020000020004" pitchFamily="49" charset="0"/>
+              </a:rPr>
+              <a:t> + </a:t>
+            </a:r>
+            <a:r>
+              <a:rPr lang="en-US" sz="1100" dirty="0" err="1">
+                <a:solidFill>
+                  <a:srgbClr val="000000"/>
+                </a:solidFill>
+                <a:latin typeface="Cascadia Mono" panose="020B0609020000020004" pitchFamily="49" charset="0"/>
+              </a:rPr>
+              <a:t>deltaY</a:t>
+            </a:r>
+            <a:r>
+              <a:rPr lang="en-US" sz="1100" dirty="0">
+                <a:solidFill>
+                  <a:srgbClr val="000000"/>
+                </a:solidFill>
+                <a:latin typeface="Cascadia Mono" panose="020B0609020000020004" pitchFamily="49" charset="0"/>
+              </a:rPr>
+              <a:t> * </a:t>
+            </a:r>
+            <a:r>
+              <a:rPr lang="en-US" sz="1100" dirty="0" err="1">
+                <a:solidFill>
+                  <a:srgbClr val="000000"/>
+                </a:solidFill>
+                <a:latin typeface="Cascadia Mono" panose="020B0609020000020004" pitchFamily="49" charset="0"/>
+              </a:rPr>
+              <a:t>deltaY</a:t>
+            </a:r>
+            <a:r>
+              <a:rPr lang="en-US" sz="1100" dirty="0">
+                <a:solidFill>
+                  <a:srgbClr val="000000"/>
+                </a:solidFill>
+                <a:latin typeface="Cascadia Mono" panose="020B0609020000020004" pitchFamily="49" charset="0"/>
+              </a:rPr>
+              <a:t>);</a:t>
+            </a:r>
+          </a:p>
+          <a:p>
             <a:pPr lvl="3"/>
             <a:r>
+              <a:rPr lang="en-US" sz="1100" dirty="0">
+                <a:solidFill>
+                  <a:srgbClr val="000000"/>
+                </a:solidFill>
+                <a:latin typeface="Cascadia Mono" panose="020B0609020000020004" pitchFamily="49" charset="0"/>
+              </a:rPr>
+              <a:t>}</a:t>
+            </a:r>
+          </a:p>
+          <a:p>
+            <a:pPr lvl="3"/>
+            <a:endParaRPr lang="en-US" sz="1100" dirty="0">
+              <a:solidFill>
+                <a:srgbClr val="000000"/>
+              </a:solidFill>
+              <a:latin typeface="Cascadia Mono" panose="020B0609020000020004" pitchFamily="49" charset="0"/>
+            </a:endParaRPr>
+          </a:p>
+          <a:p>
+            <a:pPr lvl="3"/>
+            <a:r>
+              <a:rPr lang="en-US" sz="1100" dirty="0">
+                <a:solidFill>
+                  <a:srgbClr val="008000"/>
+                </a:solidFill>
+                <a:latin typeface="Cascadia Mono" panose="020B0609020000020004" pitchFamily="49" charset="0"/>
+              </a:rPr>
+              <a:t>// 4. Check stop conditions: no centroids moved or max iterations reached</a:t>
+            </a:r>
+            <a:endParaRPr lang="en-US" sz="1100" dirty="0">
+              <a:solidFill>
+                <a:srgbClr val="000000"/>
+              </a:solidFill>
+              <a:latin typeface="Cascadia Mono" panose="020B0609020000020004" pitchFamily="49" charset="0"/>
+            </a:endParaRPr>
+          </a:p>
+          <a:p>
+            <a:pPr lvl="3"/>
+            <a:r>
+              <a:rPr lang="en-US" sz="1100" dirty="0">
+                <a:solidFill>
+                  <a:srgbClr val="808080"/>
+                </a:solidFill>
+                <a:latin typeface="Cascadia Mono" panose="020B0609020000020004" pitchFamily="49" charset="0"/>
+              </a:rPr>
+              <a:t>#pragma</a:t>
+            </a:r>
+            <a:r>
+              <a:rPr lang="en-US" sz="1100" dirty="0">
+                <a:solidFill>
+                  <a:srgbClr val="000000"/>
+                </a:solidFill>
+                <a:latin typeface="Cascadia Mono" panose="020B0609020000020004" pitchFamily="49" charset="0"/>
+              </a:rPr>
+              <a:t> </a:t>
+            </a:r>
+            <a:r>
               <a:rPr lang="en-US" sz="1100" dirty="0" err="1">
                 <a:solidFill>
                   <a:srgbClr val="000000"/>
                 </a:solidFill>
                 <a:latin typeface="Cascadia Mono" panose="020B0609020000020004" pitchFamily="49" charset="0"/>
               </a:rPr>
-              <a:t>centroidId</a:t>
+              <a:t>omp</a:t>
+            </a:r>
+            <a:r>
+              <a:rPr lang="en-US" sz="1100" dirty="0">
+                <a:solidFill>
+                  <a:srgbClr val="000000"/>
+                </a:solidFill>
+                <a:latin typeface="Cascadia Mono" panose="020B0609020000020004" pitchFamily="49" charset="0"/>
+              </a:rPr>
+              <a:t> single</a:t>
+            </a:r>
+          </a:p>
+          <a:p>
+            <a:pPr lvl="3"/>
+            <a:r>
+              <a:rPr lang="en-US" sz="1100" dirty="0">
+                <a:solidFill>
+                  <a:srgbClr val="000000"/>
+                </a:solidFill>
+                <a:latin typeface="Cascadia Mono" panose="020B0609020000020004" pitchFamily="49" charset="0"/>
+              </a:rPr>
+              <a:t>{</a:t>
+            </a:r>
+          </a:p>
+          <a:p>
+            <a:pPr lvl="4"/>
+            <a:r>
+              <a:rPr lang="en-US" sz="1100" dirty="0">
+                <a:solidFill>
+                  <a:srgbClr val="008000"/>
+                </a:solidFill>
+                <a:latin typeface="Cascadia Mono" panose="020B0609020000020004" pitchFamily="49" charset="0"/>
+              </a:rPr>
+              <a:t>// if no centroids moved or max iterations reached, save solution</a:t>
+            </a:r>
+            <a:endParaRPr lang="en-US" sz="1100" dirty="0">
+              <a:solidFill>
+                <a:srgbClr val="000000"/>
+              </a:solidFill>
+              <a:latin typeface="Cascadia Mono" panose="020B0609020000020004" pitchFamily="49" charset="0"/>
+            </a:endParaRPr>
+          </a:p>
+          <a:p>
+            <a:pPr lvl="4"/>
+            <a:r>
+              <a:rPr lang="en-US" sz="1100" dirty="0">
+                <a:solidFill>
+                  <a:srgbClr val="0000FF"/>
+                </a:solidFill>
+                <a:latin typeface="Cascadia Mono" panose="020B0609020000020004" pitchFamily="49" charset="0"/>
+              </a:rPr>
+              <a:t>if</a:t>
+            </a:r>
+            <a:r>
+              <a:rPr lang="en-US" sz="1100" dirty="0">
+                <a:solidFill>
+                  <a:srgbClr val="000000"/>
+                </a:solidFill>
+                <a:latin typeface="Cascadia Mono" panose="020B0609020000020004" pitchFamily="49" charset="0"/>
+              </a:rPr>
+              <a:t> (</a:t>
+            </a:r>
+            <a:r>
+              <a:rPr lang="en-US" sz="1100" dirty="0" err="1">
+                <a:solidFill>
+                  <a:srgbClr val="000000"/>
+                </a:solidFill>
+                <a:latin typeface="Cascadia Mono" panose="020B0609020000020004" pitchFamily="49" charset="0"/>
+              </a:rPr>
+              <a:t>totCentroidsMoved</a:t>
+            </a:r>
+            <a:r>
+              <a:rPr lang="en-US" sz="1100" dirty="0">
+                <a:solidFill>
+                  <a:srgbClr val="000000"/>
+                </a:solidFill>
+                <a:latin typeface="Cascadia Mono" panose="020B0609020000020004" pitchFamily="49" charset="0"/>
+              </a:rPr>
+              <a:t> == 0 || (</a:t>
+            </a:r>
+            <a:r>
+              <a:rPr lang="en-US" sz="1100" dirty="0" err="1">
+                <a:solidFill>
+                  <a:srgbClr val="000000"/>
+                </a:solidFill>
+                <a:latin typeface="Cascadia Mono" panose="020B0609020000020004" pitchFamily="49" charset="0"/>
+              </a:rPr>
+              <a:t>stopAtMaxIterations</a:t>
+            </a:r>
+            <a:r>
+              <a:rPr lang="en-US" sz="1100" dirty="0">
+                <a:solidFill>
+                  <a:srgbClr val="000000"/>
+                </a:solidFill>
+                <a:latin typeface="Cascadia Mono" panose="020B0609020000020004" pitchFamily="49" charset="0"/>
+              </a:rPr>
+              <a:t> &amp;&amp; it == </a:t>
+            </a:r>
+            <a:r>
+              <a:rPr lang="en-US" sz="1100" dirty="0" err="1">
+                <a:solidFill>
+                  <a:srgbClr val="000000"/>
+                </a:solidFill>
+                <a:latin typeface="Cascadia Mono" panose="020B0609020000020004" pitchFamily="49" charset="0"/>
+              </a:rPr>
+              <a:t>maxIterations</a:t>
+            </a:r>
+            <a:r>
+              <a:rPr lang="en-US" sz="1100" dirty="0">
+                <a:solidFill>
+                  <a:srgbClr val="000000"/>
+                </a:solidFill>
+                <a:latin typeface="Cascadia Mono" panose="020B0609020000020004" pitchFamily="49" charset="0"/>
+              </a:rPr>
+              <a:t>)) {</a:t>
+            </a:r>
+          </a:p>
+          <a:p>
+            <a:pPr lvl="5"/>
+            <a:r>
+              <a:rPr lang="fr-FR" sz="1100" dirty="0">
+                <a:solidFill>
+                  <a:srgbClr val="000000"/>
+                </a:solidFill>
+                <a:latin typeface="Cascadia Mono" panose="020B0609020000020004" pitchFamily="49" charset="0"/>
+              </a:rPr>
+              <a:t>solutions</a:t>
+            </a:r>
+            <a:r>
+              <a:rPr lang="fr-FR" sz="1100" dirty="0">
+                <a:solidFill>
+                  <a:srgbClr val="008080"/>
+                </a:solidFill>
+                <a:latin typeface="Cascadia Mono" panose="020B0609020000020004" pitchFamily="49" charset="0"/>
+              </a:rPr>
+              <a:t>[</a:t>
+            </a:r>
+            <a:r>
+              <a:rPr lang="fr-FR" sz="1100" dirty="0">
+                <a:solidFill>
+                  <a:srgbClr val="000000"/>
+                </a:solidFill>
+                <a:latin typeface="Cascadia Mono" panose="020B0609020000020004" pitchFamily="49" charset="0"/>
+              </a:rPr>
+              <a:t>run</a:t>
+            </a:r>
+            <a:r>
+              <a:rPr lang="fr-FR" sz="1100" dirty="0">
+                <a:solidFill>
+                  <a:srgbClr val="008080"/>
+                </a:solidFill>
+                <a:latin typeface="Cascadia Mono" panose="020B0609020000020004" pitchFamily="49" charset="0"/>
+              </a:rPr>
+              <a:t>]</a:t>
+            </a:r>
+            <a:r>
+              <a:rPr lang="fr-FR" sz="1100" dirty="0">
+                <a:solidFill>
+                  <a:srgbClr val="000000"/>
+                </a:solidFill>
+                <a:latin typeface="Cascadia Mono" panose="020B0609020000020004" pitchFamily="49" charset="0"/>
+              </a:rPr>
+              <a:t> </a:t>
+            </a:r>
+            <a:r>
+              <a:rPr lang="fr-FR" sz="1100" dirty="0">
+                <a:solidFill>
+                  <a:srgbClr val="008080"/>
+                </a:solidFill>
+                <a:latin typeface="Cascadia Mono" panose="020B0609020000020004" pitchFamily="49" charset="0"/>
+              </a:rPr>
+              <a:t>=</a:t>
+            </a:r>
+            <a:r>
+              <a:rPr lang="fr-FR" sz="1100" dirty="0">
+                <a:solidFill>
+                  <a:srgbClr val="000000"/>
+                </a:solidFill>
+                <a:latin typeface="Cascadia Mono" panose="020B0609020000020004" pitchFamily="49" charset="0"/>
+              </a:rPr>
+              <a:t> </a:t>
+            </a:r>
+            <a:r>
+              <a:rPr lang="fr-FR" sz="1100" dirty="0">
+                <a:solidFill>
+                  <a:srgbClr val="2B91AF"/>
+                </a:solidFill>
+                <a:latin typeface="Cascadia Mono" panose="020B0609020000020004" pitchFamily="49" charset="0"/>
+              </a:rPr>
+              <a:t>Solution</a:t>
+            </a:r>
+            <a:r>
+              <a:rPr lang="fr-FR" sz="1100" dirty="0">
+                <a:solidFill>
+                  <a:srgbClr val="000000"/>
+                </a:solidFill>
+                <a:latin typeface="Cascadia Mono" panose="020B0609020000020004" pitchFamily="49" charset="0"/>
+              </a:rPr>
+              <a:t>{ </a:t>
+            </a:r>
+            <a:r>
+              <a:rPr lang="fr-FR" sz="1100" dirty="0" err="1">
+                <a:solidFill>
+                  <a:srgbClr val="000000"/>
+                </a:solidFill>
+                <a:latin typeface="Cascadia Mono" panose="020B0609020000020004" pitchFamily="49" charset="0"/>
+              </a:rPr>
+              <a:t>currSse</a:t>
+            </a:r>
+            <a:r>
+              <a:rPr lang="fr-FR" sz="1100" dirty="0">
+                <a:solidFill>
+                  <a:srgbClr val="000000"/>
+                </a:solidFill>
+                <a:latin typeface="Cascadia Mono" panose="020B0609020000020004" pitchFamily="49" charset="0"/>
+              </a:rPr>
+              <a:t>, </a:t>
+            </a:r>
+            <a:r>
+              <a:rPr lang="fr-FR" sz="1100" dirty="0" err="1">
+                <a:solidFill>
+                  <a:srgbClr val="000000"/>
+                </a:solidFill>
+                <a:latin typeface="Cascadia Mono" panose="020B0609020000020004" pitchFamily="49" charset="0"/>
+              </a:rPr>
+              <a:t>centroids</a:t>
+            </a:r>
+            <a:r>
+              <a:rPr lang="fr-FR" sz="1100" dirty="0">
+                <a:solidFill>
+                  <a:srgbClr val="000000"/>
+                </a:solidFill>
+                <a:latin typeface="Cascadia Mono" panose="020B0609020000020004" pitchFamily="49" charset="0"/>
+              </a:rPr>
+              <a:t>, </a:t>
+            </a:r>
+            <a:r>
+              <a:rPr lang="fr-FR" sz="1100" dirty="0" err="1">
+                <a:solidFill>
+                  <a:srgbClr val="000000"/>
+                </a:solidFill>
+                <a:latin typeface="Cascadia Mono" panose="020B0609020000020004" pitchFamily="49" charset="0"/>
+              </a:rPr>
+              <a:t>points.centroidIds</a:t>
+            </a:r>
+            <a:r>
+              <a:rPr lang="fr-FR" sz="1100" dirty="0">
+                <a:solidFill>
+                  <a:srgbClr val="000000"/>
+                </a:solidFill>
+                <a:latin typeface="Cascadia Mono" panose="020B0609020000020004" pitchFamily="49" charset="0"/>
+              </a:rPr>
+              <a:t> };</a:t>
+            </a:r>
+          </a:p>
+          <a:p>
+            <a:pPr lvl="5"/>
+            <a:r>
+              <a:rPr lang="en-US" sz="1100" dirty="0" err="1">
+                <a:solidFill>
+                  <a:srgbClr val="000000"/>
+                </a:solidFill>
+                <a:latin typeface="Cascadia Mono" panose="020B0609020000020004" pitchFamily="49" charset="0"/>
+              </a:rPr>
+              <a:t>notConverged</a:t>
             </a:r>
             <a:r>
               <a:rPr lang="en-US" sz="1100" dirty="0">
@@ -14923,23 +15761,86 @@
               <a:t> = </a:t>
             </a:r>
             <a:r>
+              <a:rPr lang="en-US" sz="1100" dirty="0">
+                <a:solidFill>
+                  <a:srgbClr val="0000FF"/>
+                </a:solidFill>
+                <a:latin typeface="Cascadia Mono" panose="020B0609020000020004" pitchFamily="49" charset="0"/>
+              </a:rPr>
+              <a:t>false</a:t>
+            </a:r>
+            <a:r>
+              <a:rPr lang="en-US" sz="1100" dirty="0">
+                <a:solidFill>
+                  <a:srgbClr val="000000"/>
+                </a:solidFill>
+                <a:latin typeface="Cascadia Mono" panose="020B0609020000020004" pitchFamily="49" charset="0"/>
+              </a:rPr>
+              <a:t>;</a:t>
+            </a:r>
+          </a:p>
+          <a:p>
+            <a:pPr lvl="4"/>
+            <a:r>
+              <a:rPr lang="en-US" sz="1100" dirty="0">
+                <a:solidFill>
+                  <a:srgbClr val="000000"/>
+                </a:solidFill>
+                <a:latin typeface="Cascadia Mono" panose="020B0609020000020004" pitchFamily="49" charset="0"/>
+              </a:rPr>
+              <a:t>}</a:t>
+            </a:r>
+          </a:p>
+          <a:p>
+            <a:pPr lvl="3"/>
+            <a:endParaRPr lang="en-US" sz="1100" dirty="0">
+              <a:solidFill>
+                <a:srgbClr val="000000"/>
+              </a:solidFill>
+              <a:latin typeface="Cascadia Mono" panose="020B0609020000020004" pitchFamily="49" charset="0"/>
+            </a:endParaRPr>
+          </a:p>
+          <a:p>
+            <a:pPr lvl="4"/>
+            <a:r>
+              <a:rPr lang="en-US" sz="1100" dirty="0">
+                <a:solidFill>
+                  <a:srgbClr val="008000"/>
+                </a:solidFill>
+                <a:latin typeface="Cascadia Mono" panose="020B0609020000020004" pitchFamily="49" charset="0"/>
+              </a:rPr>
+              <a:t>// update iteration counter, reset solution results and helper variables</a:t>
+            </a:r>
+            <a:endParaRPr lang="en-US" sz="1100" dirty="0">
+              <a:solidFill>
+                <a:srgbClr val="000000"/>
+              </a:solidFill>
+              <a:latin typeface="Cascadia Mono" panose="020B0609020000020004" pitchFamily="49" charset="0"/>
+            </a:endParaRPr>
+          </a:p>
+          <a:p>
+            <a:pPr lvl="4"/>
+            <a:r>
               <a:rPr lang="en-US" sz="1100" dirty="0" err="1">
                 <a:solidFill>
                   <a:srgbClr val="000000"/>
                 </a:solidFill>
                 <a:latin typeface="Cascadia Mono" panose="020B0609020000020004" pitchFamily="49" charset="0"/>
               </a:rPr>
-              <a:t>points.centroidIds</a:t>
-            </a:r>
-            <a:r>
-              <a:rPr lang="en-US" sz="1100" dirty="0">
-                <a:solidFill>
-                  <a:srgbClr val="008080"/>
-                </a:solidFill>
-                <a:latin typeface="Cascadia Mono" panose="020B0609020000020004" pitchFamily="49" charset="0"/>
-              </a:rPr>
-              <a:t>[</a:t>
-            </a:r>
+              <a:t>totCentroidsMoved</a:t>
+            </a:r>
+            <a:r>
+              <a:rPr lang="en-US" sz="1100" dirty="0">
+                <a:solidFill>
+                  <a:srgbClr val="000000"/>
+                </a:solidFill>
+                <a:latin typeface="Cascadia Mono" panose="020B0609020000020004" pitchFamily="49" charset="0"/>
+              </a:rPr>
+              <a:t> = 0;</a:t>
+            </a:r>
+          </a:p>
+          <a:p>
+            <a:pPr lvl="4"/>
             <a:r>
               <a:rPr lang="en-US" sz="1100" dirty="0" err="1">
                 <a:solidFill>
@@ -14947,29 +15848,68 @@
                 </a:solidFill>
                 <a:latin typeface="Cascadia Mono" panose="020B0609020000020004" pitchFamily="49" charset="0"/>
               </a:rPr>
-              <a:t>i</a:t>
-            </a:r>
-            <a:r>
-              <a:rPr lang="en-US" sz="1100" dirty="0">
-                <a:solidFill>
-                  <a:srgbClr val="008080"/>
-                </a:solidFill>
-                <a:latin typeface="Cascadia Mono" panose="020B0609020000020004" pitchFamily="49" charset="0"/>
-              </a:rPr>
-              <a:t>]</a:t>
-            </a:r>
-            <a:r>
-              <a:rPr lang="en-US" sz="1100" dirty="0">
-                <a:solidFill>
-                  <a:srgbClr val="000000"/>
-                </a:solidFill>
-                <a:latin typeface="Cascadia Mono" panose="020B0609020000020004" pitchFamily="49" charset="0"/>
-              </a:rPr>
-              <a:t>;</a:t>
+              <a:t>currSse</a:t>
+            </a:r>
+            <a:r>
+              <a:rPr lang="en-US" sz="1100" dirty="0">
+                <a:solidFill>
+                  <a:srgbClr val="000000"/>
+                </a:solidFill>
+                <a:latin typeface="Cascadia Mono" panose="020B0609020000020004" pitchFamily="49" charset="0"/>
+              </a:rPr>
+              <a:t> = 0;</a:t>
+            </a:r>
+          </a:p>
+          <a:p>
+            <a:pPr lvl="4"/>
+            <a:r>
+              <a:rPr lang="en-US" sz="1100" dirty="0">
+                <a:solidFill>
+                  <a:srgbClr val="000000"/>
+                </a:solidFill>
+                <a:latin typeface="Cascadia Mono" panose="020B0609020000020004" pitchFamily="49" charset="0"/>
+              </a:rPr>
+              <a:t>it++;</a:t>
             </a:r>
           </a:p>
           <a:p>
             <a:pPr lvl="3"/>
+            <a:endParaRPr lang="en-US" sz="1100" dirty="0">
+              <a:solidFill>
+                <a:srgbClr val="000000"/>
+              </a:solidFill>
+              <a:latin typeface="Cascadia Mono" panose="020B0609020000020004" pitchFamily="49" charset="0"/>
+            </a:endParaRPr>
+          </a:p>
+          <a:p>
+            <a:pPr lvl="4"/>
+            <a:r>
+              <a:rPr lang="en-US" sz="1100" dirty="0">
+                <a:solidFill>
+                  <a:srgbClr val="008000"/>
+                </a:solidFill>
+                <a:latin typeface="Cascadia Mono" panose="020B0609020000020004" pitchFamily="49" charset="0"/>
+              </a:rPr>
+              <a:t>// reset helper vectors</a:t>
+            </a:r>
+            <a:endParaRPr lang="en-US" sz="1100" dirty="0">
+              <a:solidFill>
+                <a:srgbClr val="000000"/>
+              </a:solidFill>
+              <a:latin typeface="Cascadia Mono" panose="020B0609020000020004" pitchFamily="49" charset="0"/>
+            </a:endParaRPr>
+          </a:p>
+          <a:p>
+            <a:pPr lvl="4"/>
+            <a:r>
+              <a:rPr lang="en-US" sz="1100" dirty="0">
+                <a:solidFill>
+                  <a:srgbClr val="000000"/>
+                </a:solidFill>
+                <a:latin typeface="Cascadia Mono" panose="020B0609020000020004" pitchFamily="49" charset="0"/>
+              </a:rPr>
+              <a:t>std::fill(</a:t>
+            </a:r>
             <a:r>
               <a:rPr lang="en-US" sz="1100" dirty="0" err="1">
                 <a:solidFill>
@@ -14977,16 +15917,16 @@
                 </a:solidFill>
                 <a:latin typeface="Cascadia Mono" panose="020B0609020000020004" pitchFamily="49" charset="0"/>
               </a:rPr>
-              <a:t>deltaX</a:t>
-            </a:r>
-            <a:r>
-              <a:rPr lang="en-US" sz="1100" dirty="0">
-                <a:solidFill>
-                  <a:srgbClr val="000000"/>
-                </a:solidFill>
-                <a:latin typeface="Cascadia Mono" panose="020B0609020000020004" pitchFamily="49" charset="0"/>
-              </a:rPr>
-              <a:t> = </a:t>
+              <a:t>centroidPositionsX.begin</a:t>
+            </a:r>
+            <a:r>
+              <a:rPr lang="en-US" sz="1100" dirty="0">
+                <a:solidFill>
+                  <a:srgbClr val="000000"/>
+                </a:solidFill>
+                <a:latin typeface="Cascadia Mono" panose="020B0609020000020004" pitchFamily="49" charset="0"/>
+              </a:rPr>
+              <a:t>(), </a:t>
             </a:r>
             <a:r>
               <a:rPr lang="en-US" sz="1100" dirty="0" err="1">
@@ -14995,16 +15935,28 @@
                 </a:solidFill>
                 <a:latin typeface="Cascadia Mono" panose="020B0609020000020004" pitchFamily="49" charset="0"/>
               </a:rPr>
-              <a:t>centroids.posX</a:t>
-            </a:r>
-            <a:r>
-              <a:rPr lang="en-US" sz="1100" dirty="0">
-                <a:solidFill>
-                  <a:srgbClr val="008080"/>
-                </a:solidFill>
-                <a:latin typeface="Cascadia Mono" panose="020B0609020000020004" pitchFamily="49" charset="0"/>
-              </a:rPr>
-              <a:t>[</a:t>
+              <a:t>centroidPositionsX.end</a:t>
+            </a:r>
+            <a:r>
+              <a:rPr lang="en-US" sz="1100" dirty="0">
+                <a:solidFill>
+                  <a:srgbClr val="000000"/>
+                </a:solidFill>
+                <a:latin typeface="Cascadia Mono" panose="020B0609020000020004" pitchFamily="49" charset="0"/>
+              </a:rPr>
+              <a:t>(), 0);</a:t>
+            </a:r>
+          </a:p>
+          <a:p>
+            <a:pPr lvl="4"/>
+            <a:r>
+              <a:rPr lang="en-US" sz="1100" dirty="0">
+                <a:solidFill>
+                  <a:srgbClr val="000000"/>
+                </a:solidFill>
+                <a:latin typeface="Cascadia Mono" panose="020B0609020000020004" pitchFamily="49" charset="0"/>
+              </a:rPr>
+              <a:t>std::fill(</a:t>
             </a:r>
             <a:r>
               <a:rPr lang="en-US" sz="1100" dirty="0" err="1">
@@ -15013,25 +15965,16 @@
                 </a:solidFill>
                 <a:latin typeface="Cascadia Mono" panose="020B0609020000020004" pitchFamily="49" charset="0"/>
               </a:rPr>
-              <a:t>centroidId</a:t>
-            </a:r>
-            <a:r>
-              <a:rPr lang="en-US" sz="1100" dirty="0">
-                <a:solidFill>
-                  <a:srgbClr val="008080"/>
-                </a:solidFill>
-                <a:latin typeface="Cascadia Mono" panose="020B0609020000020004" pitchFamily="49" charset="0"/>
-              </a:rPr>
-              <a:t>]</a:t>
-            </a:r>
-            <a:r>
-              <a:rPr lang="en-US" sz="1100" dirty="0">
-                <a:solidFill>
-                  <a:srgbClr val="000000"/>
-                </a:solidFill>
-                <a:latin typeface="Cascadia Mono" panose="020B0609020000020004" pitchFamily="49" charset="0"/>
-              </a:rPr>
-              <a:t> - </a:t>
+              <a:t>centroidPositionsY.begin</a:t>
+            </a:r>
+            <a:r>
+              <a:rPr lang="en-US" sz="1100" dirty="0">
+                <a:solidFill>
+                  <a:srgbClr val="000000"/>
+                </a:solidFill>
+                <a:latin typeface="Cascadia Mono" panose="020B0609020000020004" pitchFamily="49" charset="0"/>
+              </a:rPr>
+              <a:t>(), </a:t>
             </a:r>
             <a:r>
               <a:rPr lang="en-US" sz="1100" dirty="0" err="1">
@@ -15040,16 +15983,28 @@
                 </a:solidFill>
                 <a:latin typeface="Cascadia Mono" panose="020B0609020000020004" pitchFamily="49" charset="0"/>
               </a:rPr>
-              <a:t>points.posX</a:t>
-            </a:r>
-            <a:r>
-              <a:rPr lang="en-US" sz="1100" dirty="0">
-                <a:solidFill>
-                  <a:srgbClr val="008080"/>
-                </a:solidFill>
-                <a:latin typeface="Cascadia Mono" panose="020B0609020000020004" pitchFamily="49" charset="0"/>
-              </a:rPr>
-              <a:t>[</a:t>
+              <a:t>centroidPositionsY.end</a:t>
+            </a:r>
+            <a:r>
+              <a:rPr lang="en-US" sz="1100" dirty="0">
+                <a:solidFill>
+                  <a:srgbClr val="000000"/>
+                </a:solidFill>
+                <a:latin typeface="Cascadia Mono" panose="020B0609020000020004" pitchFamily="49" charset="0"/>
+              </a:rPr>
+              <a:t>(), 0);</a:t>
+            </a:r>
+          </a:p>
+          <a:p>
+            <a:pPr lvl="4"/>
+            <a:r>
+              <a:rPr lang="en-US" sz="1100" dirty="0">
+                <a:solidFill>
+                  <a:srgbClr val="000000"/>
+                </a:solidFill>
+                <a:latin typeface="Cascadia Mono" panose="020B0609020000020004" pitchFamily="49" charset="0"/>
+              </a:rPr>
+              <a:t>std::fill(</a:t>
             </a:r>
             <a:r>
               <a:rPr lang="en-US" sz="1100" dirty="0" err="1">
@@ -15058,242 +16013,95 @@
                 </a:solidFill>
                 <a:latin typeface="Cascadia Mono" panose="020B0609020000020004" pitchFamily="49" charset="0"/>
               </a:rPr>
-              <a:t>i</a:t>
-            </a:r>
-            <a:r>
-              <a:rPr lang="en-US" sz="1100" dirty="0">
-                <a:solidFill>
-                  <a:srgbClr val="008080"/>
-                </a:solidFill>
-                <a:latin typeface="Cascadia Mono" panose="020B0609020000020004" pitchFamily="49" charset="0"/>
-              </a:rPr>
-              <a:t>]</a:t>
-            </a:r>
-            <a:r>
-              <a:rPr lang="en-US" sz="1100" dirty="0">
-                <a:solidFill>
-                  <a:srgbClr val="000000"/>
-                </a:solidFill>
-                <a:latin typeface="Cascadia Mono" panose="020B0609020000020004" pitchFamily="49" charset="0"/>
-              </a:rPr>
-              <a:t>;</a:t>
+              <a:t>centroidCounts.begin</a:t>
+            </a:r>
+            <a:r>
+              <a:rPr lang="en-US" sz="1100" dirty="0">
+                <a:solidFill>
+                  <a:srgbClr val="000000"/>
+                </a:solidFill>
+                <a:latin typeface="Cascadia Mono" panose="020B0609020000020004" pitchFamily="49" charset="0"/>
+              </a:rPr>
+              <a:t>(), </a:t>
+            </a:r>
+            <a:r>
+              <a:rPr lang="en-US" sz="1100" dirty="0" err="1">
+                <a:solidFill>
+                  <a:srgbClr val="000000"/>
+                </a:solidFill>
+                <a:latin typeface="Cascadia Mono" panose="020B0609020000020004" pitchFamily="49" charset="0"/>
+              </a:rPr>
+              <a:t>centroidCounts.end</a:t>
+            </a:r>
+            <a:r>
+              <a:rPr lang="en-US" sz="1100" dirty="0">
+                <a:solidFill>
+                  <a:srgbClr val="000000"/>
+                </a:solidFill>
+                <a:latin typeface="Cascadia Mono" panose="020B0609020000020004" pitchFamily="49" charset="0"/>
+              </a:rPr>
+              <a:t>(), 0);</a:t>
             </a:r>
           </a:p>
           <a:p>
             <a:pPr lvl="3"/>
             <a:r>
+              <a:rPr lang="en-US" sz="1100" dirty="0">
+                <a:solidFill>
+                  <a:srgbClr val="000000"/>
+                </a:solidFill>
+                <a:latin typeface="Cascadia Mono" panose="020B0609020000020004" pitchFamily="49" charset="0"/>
+              </a:rPr>
+              <a:t>}</a:t>
+            </a:r>
+          </a:p>
+          <a:p>
+            <a:pPr marL="904875" lvl="3"/>
+            <a:r>
+              <a:rPr lang="en-US" sz="1100" dirty="0">
+                <a:solidFill>
+                  <a:srgbClr val="000000"/>
+                </a:solidFill>
+                <a:latin typeface="Cascadia Mono" panose="020B0609020000020004" pitchFamily="49" charset="0"/>
+              </a:rPr>
+              <a:t>}</a:t>
+            </a:r>
+          </a:p>
+          <a:p>
+            <a:pPr marL="904875" lvl="3"/>
+            <a:r>
+              <a:rPr lang="en-US" sz="1100" dirty="0">
+                <a:solidFill>
+                  <a:srgbClr val="008000"/>
+                </a:solidFill>
+                <a:latin typeface="Cascadia Mono" panose="020B0609020000020004" pitchFamily="49" charset="0"/>
+              </a:rPr>
+              <a:t>// </a:t>
+            </a:r>
+            <a:r>
               <a:rPr lang="en-US" sz="1100" dirty="0" err="1">
                 <a:solidFill>
-                  <a:srgbClr val="000000"/>
-                </a:solidFill>
-                <a:latin typeface="Cascadia Mono" panose="020B0609020000020004" pitchFamily="49" charset="0"/>
-              </a:rPr>
-              <a:t>deltaY</a:t>
-            </a:r>
-            <a:r>
-              <a:rPr lang="en-US" sz="1100" dirty="0">
-                <a:solidFill>
-                  <a:srgbClr val="000000"/>
-                </a:solidFill>
-                <a:latin typeface="Cascadia Mono" panose="020B0609020000020004" pitchFamily="49" charset="0"/>
-              </a:rPr>
-              <a:t> = </a:t>
-            </a:r>
-            <a:r>
-              <a:rPr lang="en-US" sz="1100" dirty="0" err="1">
-                <a:solidFill>
-                  <a:srgbClr val="000000"/>
-                </a:solidFill>
-                <a:latin typeface="Cascadia Mono" panose="020B0609020000020004" pitchFamily="49" charset="0"/>
-              </a:rPr>
-              <a:t>centroids.posY</a:t>
-            </a:r>
-            <a:r>
-              <a:rPr lang="en-US" sz="1100" dirty="0">
-                <a:solidFill>
-                  <a:srgbClr val="008080"/>
-                </a:solidFill>
-                <a:latin typeface="Cascadia Mono" panose="020B0609020000020004" pitchFamily="49" charset="0"/>
-              </a:rPr>
-              <a:t>[</a:t>
-            </a:r>
-            <a:r>
-              <a:rPr lang="en-US" sz="1100" dirty="0" err="1">
-                <a:solidFill>
-                  <a:srgbClr val="000000"/>
-                </a:solidFill>
-                <a:latin typeface="Cascadia Mono" panose="020B0609020000020004" pitchFamily="49" charset="0"/>
-              </a:rPr>
-              <a:t>centroidId</a:t>
-            </a:r>
-            <a:r>
-              <a:rPr lang="en-US" sz="1100" dirty="0">
-                <a:solidFill>
-                  <a:srgbClr val="008080"/>
-                </a:solidFill>
-                <a:latin typeface="Cascadia Mono" panose="020B0609020000020004" pitchFamily="49" charset="0"/>
-              </a:rPr>
-              <a:t>]</a:t>
-            </a:r>
-            <a:r>
-              <a:rPr lang="en-US" sz="1100" dirty="0">
-                <a:solidFill>
-                  <a:srgbClr val="000000"/>
-                </a:solidFill>
-                <a:latin typeface="Cascadia Mono" panose="020B0609020000020004" pitchFamily="49" charset="0"/>
-              </a:rPr>
-              <a:t> - </a:t>
-            </a:r>
-            <a:r>
-              <a:rPr lang="en-US" sz="1100" dirty="0" err="1">
-                <a:solidFill>
-                  <a:srgbClr val="000000"/>
-                </a:solidFill>
-                <a:latin typeface="Cascadia Mono" panose="020B0609020000020004" pitchFamily="49" charset="0"/>
-              </a:rPr>
-              <a:t>points.posY</a:t>
-            </a:r>
-            <a:r>
-              <a:rPr lang="en-US" sz="1100" dirty="0">
-                <a:solidFill>
-                  <a:srgbClr val="008080"/>
-                </a:solidFill>
-                <a:latin typeface="Cascadia Mono" panose="020B0609020000020004" pitchFamily="49" charset="0"/>
-              </a:rPr>
-              <a:t>[</a:t>
-            </a:r>
-            <a:r>
-              <a:rPr lang="en-US" sz="1100" dirty="0" err="1">
-                <a:solidFill>
-                  <a:srgbClr val="000000"/>
-                </a:solidFill>
-                <a:latin typeface="Cascadia Mono" panose="020B0609020000020004" pitchFamily="49" charset="0"/>
-              </a:rPr>
-              <a:t>i</a:t>
-            </a:r>
-            <a:r>
-              <a:rPr lang="en-US" sz="1100" dirty="0">
-                <a:solidFill>
-                  <a:srgbClr val="008080"/>
-                </a:solidFill>
-                <a:latin typeface="Cascadia Mono" panose="020B0609020000020004" pitchFamily="49" charset="0"/>
-              </a:rPr>
-              <a:t>]</a:t>
-            </a:r>
-            <a:r>
-              <a:rPr lang="en-US" sz="1100" dirty="0">
-                <a:solidFill>
-                  <a:srgbClr val="000000"/>
-                </a:solidFill>
-                <a:latin typeface="Cascadia Mono" panose="020B0609020000020004" pitchFamily="49" charset="0"/>
-              </a:rPr>
-              <a:t>;</a:t>
-            </a:r>
-          </a:p>
-          <a:p>
-            <a:pPr lvl="3"/>
-            <a:r>
-              <a:rPr lang="en-US" sz="1100" dirty="0" err="1">
-                <a:solidFill>
-                  <a:srgbClr val="000000"/>
-                </a:solidFill>
-                <a:latin typeface="Cascadia Mono" panose="020B0609020000020004" pitchFamily="49" charset="0"/>
-              </a:rPr>
-              <a:t>currSse</a:t>
-            </a:r>
-            <a:r>
-              <a:rPr lang="en-US" sz="1100" dirty="0">
-                <a:solidFill>
-                  <a:srgbClr val="000000"/>
-                </a:solidFill>
-                <a:latin typeface="Cascadia Mono" panose="020B0609020000020004" pitchFamily="49" charset="0"/>
-              </a:rPr>
-              <a:t> += sqrt(</a:t>
-            </a:r>
-            <a:r>
-              <a:rPr lang="en-US" sz="1100" dirty="0" err="1">
-                <a:solidFill>
-                  <a:srgbClr val="000000"/>
-                </a:solidFill>
-                <a:latin typeface="Cascadia Mono" panose="020B0609020000020004" pitchFamily="49" charset="0"/>
-              </a:rPr>
-              <a:t>deltaX</a:t>
-            </a:r>
-            <a:r>
-              <a:rPr lang="en-US" sz="1100" dirty="0">
-                <a:solidFill>
-                  <a:srgbClr val="000000"/>
-                </a:solidFill>
-                <a:latin typeface="Cascadia Mono" panose="020B0609020000020004" pitchFamily="49" charset="0"/>
-              </a:rPr>
-              <a:t> * </a:t>
-            </a:r>
-            <a:r>
-              <a:rPr lang="en-US" sz="1100" dirty="0" err="1">
-                <a:solidFill>
-                  <a:srgbClr val="000000"/>
-                </a:solidFill>
-                <a:latin typeface="Cascadia Mono" panose="020B0609020000020004" pitchFamily="49" charset="0"/>
-              </a:rPr>
-              <a:t>deltaX</a:t>
-            </a:r>
-            <a:r>
-              <a:rPr lang="en-US" sz="1100" dirty="0">
-                <a:solidFill>
-                  <a:srgbClr val="000000"/>
-                </a:solidFill>
-                <a:latin typeface="Cascadia Mono" panose="020B0609020000020004" pitchFamily="49" charset="0"/>
-              </a:rPr>
-              <a:t> + </a:t>
-            </a:r>
-            <a:r>
-              <a:rPr lang="en-US" sz="1100" dirty="0" err="1">
-                <a:solidFill>
-                  <a:srgbClr val="000000"/>
-                </a:solidFill>
-                <a:latin typeface="Cascadia Mono" panose="020B0609020000020004" pitchFamily="49" charset="0"/>
-              </a:rPr>
-              <a:t>deltaY</a:t>
-            </a:r>
-            <a:r>
-              <a:rPr lang="en-US" sz="1100" dirty="0">
-                <a:solidFill>
-                  <a:srgbClr val="000000"/>
-                </a:solidFill>
-                <a:latin typeface="Cascadia Mono" panose="020B0609020000020004" pitchFamily="49" charset="0"/>
-              </a:rPr>
-              <a:t> * </a:t>
-            </a:r>
-            <a:r>
-              <a:rPr lang="en-US" sz="1100" dirty="0" err="1">
-                <a:solidFill>
-                  <a:srgbClr val="000000"/>
-                </a:solidFill>
-                <a:latin typeface="Cascadia Mono" panose="020B0609020000020004" pitchFamily="49" charset="0"/>
-              </a:rPr>
-              <a:t>deltaY</a:t>
-            </a:r>
-            <a:r>
-              <a:rPr lang="en-US" sz="1100" dirty="0">
-                <a:solidFill>
-                  <a:srgbClr val="000000"/>
-                </a:solidFill>
-                <a:latin typeface="Cascadia Mono" panose="020B0609020000020004" pitchFamily="49" charset="0"/>
-              </a:rPr>
-              <a:t>);</a:t>
-            </a:r>
-          </a:p>
-          <a:p>
-            <a:pPr lvl="2"/>
-            <a:r>
-              <a:rPr lang="en-US" sz="1100" dirty="0">
-                <a:solidFill>
-                  <a:srgbClr val="000000"/>
-                </a:solidFill>
-                <a:latin typeface="Cascadia Mono" panose="020B0609020000020004" pitchFamily="49" charset="0"/>
-              </a:rPr>
-              <a:t>}</a:t>
-            </a:r>
+                  <a:srgbClr val="008000"/>
+                </a:solidFill>
+                <a:latin typeface="Cascadia Mono" panose="020B0609020000020004" pitchFamily="49" charset="0"/>
+              </a:rPr>
+              <a:t>kmeans</a:t>
+            </a:r>
+            <a:r>
+              <a:rPr lang="en-US" sz="1100" dirty="0">
+                <a:solidFill>
+                  <a:srgbClr val="008000"/>
+                </a:solidFill>
+                <a:latin typeface="Cascadia Mono" panose="020B0609020000020004" pitchFamily="49" charset="0"/>
+              </a:rPr>
+              <a:t> run end</a:t>
+            </a:r>
+            <a:endParaRPr lang="en-US" sz="1100" dirty="0">
+              <a:solidFill>
+                <a:srgbClr val="000000"/>
+              </a:solidFill>
+              <a:latin typeface="Cascadia Mono" panose="020B0609020000020004" pitchFamily="49" charset="0"/>
+            </a:endParaRPr>
           </a:p>
           <a:p>
             <a:pPr lvl="2"/>
@@ -15306,678 +16114,6 @@
           </a:p>
           <a:p>
             <a:pPr lvl="2"/>
-            <a:r>
-              <a:rPr lang="en-US" sz="1100" dirty="0">
-                <a:solidFill>
-                  <a:srgbClr val="008000"/>
-                </a:solidFill>
-                <a:latin typeface="Cascadia Mono" panose="020B0609020000020004" pitchFamily="49" charset="0"/>
-              </a:rPr>
-              <a:t>// 4. Check stop conditions: no centroids moved or max iterations reached</a:t>
-            </a:r>
-            <a:endParaRPr lang="en-US" sz="1100" dirty="0">
-              <a:solidFill>
-                <a:srgbClr val="000000"/>
-              </a:solidFill>
-              <a:latin typeface="Cascadia Mono" panose="020B0609020000020004" pitchFamily="49" charset="0"/>
-            </a:endParaRPr>
-          </a:p>
-          <a:p>
-            <a:pPr lvl="2"/>
-            <a:r>
-              <a:rPr lang="en-US" sz="1100" dirty="0">
-                <a:solidFill>
-                  <a:srgbClr val="808080"/>
-                </a:solidFill>
-                <a:latin typeface="Cascadia Mono" panose="020B0609020000020004" pitchFamily="49" charset="0"/>
-              </a:rPr>
-              <a:t>#pragma</a:t>
-            </a:r>
-            <a:r>
-              <a:rPr lang="en-US" sz="1100" dirty="0">
-                <a:solidFill>
-                  <a:srgbClr val="000000"/>
-                </a:solidFill>
-                <a:latin typeface="Cascadia Mono" panose="020B0609020000020004" pitchFamily="49" charset="0"/>
-              </a:rPr>
-              <a:t> </a:t>
-            </a:r>
-            <a:r>
-              <a:rPr lang="en-US" sz="1100" dirty="0" err="1">
-                <a:solidFill>
-                  <a:srgbClr val="000000"/>
-                </a:solidFill>
-                <a:latin typeface="Cascadia Mono" panose="020B0609020000020004" pitchFamily="49" charset="0"/>
-              </a:rPr>
-              <a:t>omp</a:t>
-            </a:r>
-            <a:r>
-              <a:rPr lang="en-US" sz="1100" dirty="0">
-                <a:solidFill>
-                  <a:srgbClr val="000000"/>
-                </a:solidFill>
-                <a:latin typeface="Cascadia Mono" panose="020B0609020000020004" pitchFamily="49" charset="0"/>
-              </a:rPr>
-              <a:t> single</a:t>
-            </a:r>
-          </a:p>
-          <a:p>
-            <a:pPr lvl="2"/>
-            <a:r>
-              <a:rPr lang="en-US" sz="1100" dirty="0">
-                <a:solidFill>
-                  <a:srgbClr val="000000"/>
-                </a:solidFill>
-                <a:latin typeface="Cascadia Mono" panose="020B0609020000020004" pitchFamily="49" charset="0"/>
-              </a:rPr>
-              <a:t>{</a:t>
-            </a:r>
-          </a:p>
-          <a:p>
-            <a:pPr lvl="3"/>
-            <a:r>
-              <a:rPr lang="en-US" sz="1100" dirty="0">
-                <a:solidFill>
-                  <a:srgbClr val="008000"/>
-                </a:solidFill>
-                <a:latin typeface="Cascadia Mono" panose="020B0609020000020004" pitchFamily="49" charset="0"/>
-              </a:rPr>
-              <a:t>// if no centroids moved or max iterations reached, save solution</a:t>
-            </a:r>
-            <a:endParaRPr lang="en-US" sz="1100" dirty="0">
-              <a:solidFill>
-                <a:srgbClr val="000000"/>
-              </a:solidFill>
-              <a:latin typeface="Cascadia Mono" panose="020B0609020000020004" pitchFamily="49" charset="0"/>
-            </a:endParaRPr>
-          </a:p>
-          <a:p>
-            <a:pPr lvl="3"/>
-            <a:r>
-              <a:rPr lang="en-US" sz="1100" dirty="0">
-                <a:solidFill>
-                  <a:srgbClr val="0000FF"/>
-                </a:solidFill>
-                <a:latin typeface="Cascadia Mono" panose="020B0609020000020004" pitchFamily="49" charset="0"/>
-              </a:rPr>
-              <a:t>if</a:t>
-            </a:r>
-            <a:r>
-              <a:rPr lang="en-US" sz="1100" dirty="0">
-                <a:solidFill>
-                  <a:srgbClr val="000000"/>
-                </a:solidFill>
-                <a:latin typeface="Cascadia Mono" panose="020B0609020000020004" pitchFamily="49" charset="0"/>
-              </a:rPr>
-              <a:t> (</a:t>
-            </a:r>
-            <a:r>
-              <a:rPr lang="en-US" sz="1100" dirty="0" err="1">
-                <a:solidFill>
-                  <a:srgbClr val="000000"/>
-                </a:solidFill>
-                <a:latin typeface="Cascadia Mono" panose="020B0609020000020004" pitchFamily="49" charset="0"/>
-              </a:rPr>
-              <a:t>totCentroidsMoved</a:t>
-            </a:r>
-            <a:r>
-              <a:rPr lang="en-US" sz="1100" dirty="0">
-                <a:solidFill>
-                  <a:srgbClr val="000000"/>
-                </a:solidFill>
-                <a:latin typeface="Cascadia Mono" panose="020B0609020000020004" pitchFamily="49" charset="0"/>
-              </a:rPr>
-              <a:t> == 0 || (</a:t>
-            </a:r>
-            <a:r>
-              <a:rPr lang="en-US" sz="1100" dirty="0" err="1">
-                <a:solidFill>
-                  <a:srgbClr val="000000"/>
-                </a:solidFill>
-                <a:latin typeface="Cascadia Mono" panose="020B0609020000020004" pitchFamily="49" charset="0"/>
-              </a:rPr>
-              <a:t>stopAtMaxIterations</a:t>
-            </a:r>
-            <a:r>
-              <a:rPr lang="en-US" sz="1100" dirty="0">
-                <a:solidFill>
-                  <a:srgbClr val="000000"/>
-                </a:solidFill>
-                <a:latin typeface="Cascadia Mono" panose="020B0609020000020004" pitchFamily="49" charset="0"/>
-              </a:rPr>
-              <a:t> &amp;&amp; it == </a:t>
-            </a:r>
-            <a:r>
-              <a:rPr lang="en-US" sz="1100" dirty="0" err="1">
-                <a:solidFill>
-                  <a:srgbClr val="000000"/>
-                </a:solidFill>
-                <a:latin typeface="Cascadia Mono" panose="020B0609020000020004" pitchFamily="49" charset="0"/>
-              </a:rPr>
-              <a:t>maxIterations</a:t>
-            </a:r>
-            <a:r>
-              <a:rPr lang="en-US" sz="1100" dirty="0">
-                <a:solidFill>
-                  <a:srgbClr val="000000"/>
-                </a:solidFill>
-                <a:latin typeface="Cascadia Mono" panose="020B0609020000020004" pitchFamily="49" charset="0"/>
-              </a:rPr>
-              <a:t>)) {</a:t>
-            </a:r>
-          </a:p>
-          <a:p>
-            <a:pPr lvl="4"/>
-            <a:r>
-              <a:rPr lang="fr-FR" sz="1100" dirty="0">
-                <a:solidFill>
-                  <a:srgbClr val="000000"/>
-                </a:solidFill>
-                <a:latin typeface="Cascadia Mono" panose="020B0609020000020004" pitchFamily="49" charset="0"/>
-              </a:rPr>
-              <a:t>solutions</a:t>
-            </a:r>
-            <a:r>
-              <a:rPr lang="fr-FR" sz="1100" dirty="0">
-                <a:solidFill>
-                  <a:srgbClr val="008080"/>
-                </a:solidFill>
-                <a:latin typeface="Cascadia Mono" panose="020B0609020000020004" pitchFamily="49" charset="0"/>
-              </a:rPr>
-              <a:t>[</a:t>
-            </a:r>
-            <a:r>
-              <a:rPr lang="fr-FR" sz="1100" dirty="0">
-                <a:solidFill>
-                  <a:srgbClr val="000000"/>
-                </a:solidFill>
-                <a:latin typeface="Cascadia Mono" panose="020B0609020000020004" pitchFamily="49" charset="0"/>
-              </a:rPr>
-              <a:t>run</a:t>
-            </a:r>
-            <a:r>
-              <a:rPr lang="fr-FR" sz="1100" dirty="0">
-                <a:solidFill>
-                  <a:srgbClr val="008080"/>
-                </a:solidFill>
-                <a:latin typeface="Cascadia Mono" panose="020B0609020000020004" pitchFamily="49" charset="0"/>
-              </a:rPr>
-              <a:t>]</a:t>
-            </a:r>
-            <a:r>
-              <a:rPr lang="fr-FR" sz="1100" dirty="0">
-                <a:solidFill>
-                  <a:srgbClr val="000000"/>
-                </a:solidFill>
-                <a:latin typeface="Cascadia Mono" panose="020B0609020000020004" pitchFamily="49" charset="0"/>
-              </a:rPr>
-              <a:t> </a:t>
-            </a:r>
-            <a:r>
-              <a:rPr lang="fr-FR" sz="1100" dirty="0">
-                <a:solidFill>
-                  <a:srgbClr val="008080"/>
-                </a:solidFill>
-                <a:latin typeface="Cascadia Mono" panose="020B0609020000020004" pitchFamily="49" charset="0"/>
-              </a:rPr>
-              <a:t>=</a:t>
-            </a:r>
-            <a:r>
-              <a:rPr lang="fr-FR" sz="1100" dirty="0">
-                <a:solidFill>
-                  <a:srgbClr val="000000"/>
-                </a:solidFill>
-                <a:latin typeface="Cascadia Mono" panose="020B0609020000020004" pitchFamily="49" charset="0"/>
-              </a:rPr>
-              <a:t> </a:t>
-            </a:r>
-            <a:r>
-              <a:rPr lang="fr-FR" sz="1100" dirty="0">
-                <a:solidFill>
-                  <a:srgbClr val="2B91AF"/>
-                </a:solidFill>
-                <a:latin typeface="Cascadia Mono" panose="020B0609020000020004" pitchFamily="49" charset="0"/>
-              </a:rPr>
-              <a:t>Solution</a:t>
-            </a:r>
-            <a:r>
-              <a:rPr lang="fr-FR" sz="1100" dirty="0">
-                <a:solidFill>
-                  <a:srgbClr val="000000"/>
-                </a:solidFill>
-                <a:latin typeface="Cascadia Mono" panose="020B0609020000020004" pitchFamily="49" charset="0"/>
-              </a:rPr>
-              <a:t>{ </a:t>
-            </a:r>
-            <a:r>
-              <a:rPr lang="fr-FR" sz="1100" dirty="0" err="1">
-                <a:solidFill>
-                  <a:srgbClr val="000000"/>
-                </a:solidFill>
-                <a:latin typeface="Cascadia Mono" panose="020B0609020000020004" pitchFamily="49" charset="0"/>
-              </a:rPr>
-              <a:t>currSse</a:t>
-            </a:r>
-            <a:r>
-              <a:rPr lang="fr-FR" sz="1100" dirty="0">
-                <a:solidFill>
-                  <a:srgbClr val="000000"/>
-                </a:solidFill>
-                <a:latin typeface="Cascadia Mono" panose="020B0609020000020004" pitchFamily="49" charset="0"/>
-              </a:rPr>
-              <a:t>, </a:t>
-            </a:r>
-            <a:r>
-              <a:rPr lang="fr-FR" sz="1100" dirty="0" err="1">
-                <a:solidFill>
-                  <a:srgbClr val="000000"/>
-                </a:solidFill>
-                <a:latin typeface="Cascadia Mono" panose="020B0609020000020004" pitchFamily="49" charset="0"/>
-              </a:rPr>
-              <a:t>centroids</a:t>
-            </a:r>
-            <a:r>
-              <a:rPr lang="fr-FR" sz="1100" dirty="0">
-                <a:solidFill>
-                  <a:srgbClr val="000000"/>
-                </a:solidFill>
-                <a:latin typeface="Cascadia Mono" panose="020B0609020000020004" pitchFamily="49" charset="0"/>
-              </a:rPr>
-              <a:t>, </a:t>
-            </a:r>
-            <a:r>
-              <a:rPr lang="fr-FR" sz="1100" dirty="0" err="1">
-                <a:solidFill>
-                  <a:srgbClr val="000000"/>
-                </a:solidFill>
-                <a:latin typeface="Cascadia Mono" panose="020B0609020000020004" pitchFamily="49" charset="0"/>
-              </a:rPr>
-              <a:t>points.centroidIds</a:t>
-            </a:r>
-            <a:r>
-              <a:rPr lang="fr-FR" sz="1100" dirty="0">
-                <a:solidFill>
-                  <a:srgbClr val="000000"/>
-                </a:solidFill>
-                <a:latin typeface="Cascadia Mono" panose="020B0609020000020004" pitchFamily="49" charset="0"/>
-              </a:rPr>
-              <a:t> };</a:t>
-            </a:r>
-          </a:p>
-          <a:p>
-            <a:pPr lvl="4"/>
-            <a:r>
-              <a:rPr lang="en-US" sz="1100" dirty="0" err="1">
-                <a:solidFill>
-                  <a:srgbClr val="000000"/>
-                </a:solidFill>
-                <a:latin typeface="Cascadia Mono" panose="020B0609020000020004" pitchFamily="49" charset="0"/>
-              </a:rPr>
-              <a:t>notConverged</a:t>
-            </a:r>
-            <a:r>
-              <a:rPr lang="en-US" sz="1100" dirty="0">
-                <a:solidFill>
-                  <a:srgbClr val="000000"/>
-                </a:solidFill>
-                <a:latin typeface="Cascadia Mono" panose="020B0609020000020004" pitchFamily="49" charset="0"/>
-              </a:rPr>
-              <a:t> = </a:t>
-            </a:r>
-            <a:r>
-              <a:rPr lang="en-US" sz="1100" dirty="0">
-                <a:solidFill>
-                  <a:srgbClr val="0000FF"/>
-                </a:solidFill>
-                <a:latin typeface="Cascadia Mono" panose="020B0609020000020004" pitchFamily="49" charset="0"/>
-              </a:rPr>
-              <a:t>false</a:t>
-            </a:r>
-            <a:r>
-              <a:rPr lang="en-US" sz="1100" dirty="0">
-                <a:solidFill>
-                  <a:srgbClr val="000000"/>
-                </a:solidFill>
-                <a:latin typeface="Cascadia Mono" panose="020B0609020000020004" pitchFamily="49" charset="0"/>
-              </a:rPr>
-              <a:t>;</a:t>
-            </a:r>
-          </a:p>
-          <a:p>
-            <a:pPr lvl="3"/>
-            <a:r>
-              <a:rPr lang="en-US" sz="1100" dirty="0">
-                <a:solidFill>
-                  <a:srgbClr val="000000"/>
-                </a:solidFill>
-                <a:latin typeface="Cascadia Mono" panose="020B0609020000020004" pitchFamily="49" charset="0"/>
-              </a:rPr>
-              <a:t>}</a:t>
-            </a:r>
-          </a:p>
-          <a:p>
-            <a:pPr lvl="2"/>
-            <a:endParaRPr lang="en-US" sz="1100" dirty="0">
-              <a:solidFill>
-                <a:srgbClr val="000000"/>
-              </a:solidFill>
-              <a:latin typeface="Cascadia Mono" panose="020B0609020000020004" pitchFamily="49" charset="0"/>
-            </a:endParaRPr>
-          </a:p>
-          <a:p>
-            <a:pPr lvl="3"/>
-            <a:r>
-              <a:rPr lang="en-US" sz="1100" dirty="0">
-                <a:solidFill>
-                  <a:srgbClr val="008000"/>
-                </a:solidFill>
-                <a:latin typeface="Cascadia Mono" panose="020B0609020000020004" pitchFamily="49" charset="0"/>
-              </a:rPr>
-              <a:t>// update iteration counter, reset solution results and helper variables</a:t>
-            </a:r>
-            <a:endParaRPr lang="en-US" sz="1100" dirty="0">
-              <a:solidFill>
-                <a:srgbClr val="000000"/>
-              </a:solidFill>
-              <a:latin typeface="Cascadia Mono" panose="020B0609020000020004" pitchFamily="49" charset="0"/>
-            </a:endParaRPr>
-          </a:p>
-          <a:p>
-            <a:pPr lvl="3"/>
-            <a:r>
-              <a:rPr lang="en-US" sz="1100" dirty="0" err="1">
-                <a:solidFill>
-                  <a:srgbClr val="000000"/>
-                </a:solidFill>
-                <a:latin typeface="Cascadia Mono" panose="020B0609020000020004" pitchFamily="49" charset="0"/>
-              </a:rPr>
-              <a:t>totCentroidsMoved</a:t>
-            </a:r>
-            <a:r>
-              <a:rPr lang="en-US" sz="1100" dirty="0">
-                <a:solidFill>
-                  <a:srgbClr val="000000"/>
-                </a:solidFill>
-                <a:latin typeface="Cascadia Mono" panose="020B0609020000020004" pitchFamily="49" charset="0"/>
-              </a:rPr>
-              <a:t> = 0;</a:t>
-            </a:r>
-          </a:p>
-          <a:p>
-            <a:pPr lvl="3"/>
-            <a:r>
-              <a:rPr lang="en-US" sz="1100" dirty="0" err="1">
-                <a:solidFill>
-                  <a:srgbClr val="000000"/>
-                </a:solidFill>
-                <a:latin typeface="Cascadia Mono" panose="020B0609020000020004" pitchFamily="49" charset="0"/>
-              </a:rPr>
-              <a:t>currSse</a:t>
-            </a:r>
-            <a:r>
-              <a:rPr lang="en-US" sz="1100" dirty="0">
-                <a:solidFill>
-                  <a:srgbClr val="000000"/>
-                </a:solidFill>
-                <a:latin typeface="Cascadia Mono" panose="020B0609020000020004" pitchFamily="49" charset="0"/>
-              </a:rPr>
-              <a:t> = 0;</a:t>
-            </a:r>
-          </a:p>
-          <a:p>
-            <a:pPr lvl="3"/>
-            <a:r>
-              <a:rPr lang="en-US" sz="1100" dirty="0">
-                <a:solidFill>
-                  <a:srgbClr val="000000"/>
-                </a:solidFill>
-                <a:latin typeface="Cascadia Mono" panose="020B0609020000020004" pitchFamily="49" charset="0"/>
-              </a:rPr>
-              <a:t>it++;</a:t>
-            </a:r>
-          </a:p>
-          <a:p>
-            <a:pPr lvl="2"/>
-            <a:endParaRPr lang="en-US" sz="1100" dirty="0">
-              <a:solidFill>
-                <a:srgbClr val="000000"/>
-              </a:solidFill>
-              <a:latin typeface="Cascadia Mono" panose="020B0609020000020004" pitchFamily="49" charset="0"/>
-            </a:endParaRPr>
-          </a:p>
-          <a:p>
-            <a:pPr lvl="3"/>
-            <a:r>
-              <a:rPr lang="en-US" sz="1100" dirty="0">
-                <a:solidFill>
-                  <a:srgbClr val="008000"/>
-                </a:solidFill>
-                <a:latin typeface="Cascadia Mono" panose="020B0609020000020004" pitchFamily="49" charset="0"/>
-              </a:rPr>
-              <a:t>// reset helper vectors</a:t>
-            </a:r>
-            <a:endParaRPr lang="en-US" sz="1100" dirty="0">
-              <a:solidFill>
-                <a:srgbClr val="000000"/>
-              </a:solidFill>
-              <a:latin typeface="Cascadia Mono" panose="020B0609020000020004" pitchFamily="49" charset="0"/>
-            </a:endParaRPr>
-          </a:p>
-          <a:p>
-            <a:pPr lvl="3"/>
-            <a:r>
-              <a:rPr lang="en-US" sz="1100" dirty="0">
-                <a:solidFill>
-                  <a:srgbClr val="000000"/>
-                </a:solidFill>
-                <a:latin typeface="Cascadia Mono" panose="020B0609020000020004" pitchFamily="49" charset="0"/>
-              </a:rPr>
-              <a:t>std::fill(</a:t>
-            </a:r>
-            <a:r>
-              <a:rPr lang="en-US" sz="1100" dirty="0" err="1">
-                <a:solidFill>
-                  <a:srgbClr val="000000"/>
-                </a:solidFill>
-                <a:latin typeface="Cascadia Mono" panose="020B0609020000020004" pitchFamily="49" charset="0"/>
-              </a:rPr>
-              <a:t>centroidPositionsX.begin</a:t>
-            </a:r>
-            <a:r>
-              <a:rPr lang="en-US" sz="1100" dirty="0">
-                <a:solidFill>
-                  <a:srgbClr val="000000"/>
-                </a:solidFill>
-                <a:latin typeface="Cascadia Mono" panose="020B0609020000020004" pitchFamily="49" charset="0"/>
-              </a:rPr>
-              <a:t>(), </a:t>
-            </a:r>
-            <a:r>
-              <a:rPr lang="en-US" sz="1100" dirty="0" err="1">
-                <a:solidFill>
-                  <a:srgbClr val="000000"/>
-                </a:solidFill>
-                <a:latin typeface="Cascadia Mono" panose="020B0609020000020004" pitchFamily="49" charset="0"/>
-              </a:rPr>
-              <a:t>centroidPositionsX.end</a:t>
-            </a:r>
-            <a:r>
-              <a:rPr lang="en-US" sz="1100" dirty="0">
-                <a:solidFill>
-                  <a:srgbClr val="000000"/>
-                </a:solidFill>
-                <a:latin typeface="Cascadia Mono" panose="020B0609020000020004" pitchFamily="49" charset="0"/>
-              </a:rPr>
-              <a:t>(), 0);</a:t>
-            </a:r>
-          </a:p>
-          <a:p>
-            <a:pPr lvl="3"/>
-            <a:r>
-              <a:rPr lang="en-US" sz="1100" dirty="0">
-                <a:solidFill>
-                  <a:srgbClr val="000000"/>
-                </a:solidFill>
-                <a:latin typeface="Cascadia Mono" panose="020B0609020000020004" pitchFamily="49" charset="0"/>
-              </a:rPr>
-              <a:t>std::fill(</a:t>
-            </a:r>
-            <a:r>
-              <a:rPr lang="en-US" sz="1100" dirty="0" err="1">
-                <a:solidFill>
-                  <a:srgbClr val="000000"/>
-                </a:solidFill>
-                <a:latin typeface="Cascadia Mono" panose="020B0609020000020004" pitchFamily="49" charset="0"/>
-              </a:rPr>
-              <a:t>centroidPositionsY.begin</a:t>
-            </a:r>
-            <a:r>
-              <a:rPr lang="en-US" sz="1100" dirty="0">
-                <a:solidFill>
-                  <a:srgbClr val="000000"/>
-                </a:solidFill>
-                <a:latin typeface="Cascadia Mono" panose="020B0609020000020004" pitchFamily="49" charset="0"/>
-              </a:rPr>
-              <a:t>(), </a:t>
-            </a:r>
-            <a:r>
-              <a:rPr lang="en-US" sz="1100" dirty="0" err="1">
-                <a:solidFill>
-                  <a:srgbClr val="000000"/>
-                </a:solidFill>
-                <a:latin typeface="Cascadia Mono" panose="020B0609020000020004" pitchFamily="49" charset="0"/>
-              </a:rPr>
-              <a:t>centroidPositionsY.end</a:t>
-            </a:r>
-            <a:r>
-              <a:rPr lang="en-US" sz="1100" dirty="0">
-                <a:solidFill>
-                  <a:srgbClr val="000000"/>
-                </a:solidFill>
-                <a:latin typeface="Cascadia Mono" panose="020B0609020000020004" pitchFamily="49" charset="0"/>
-              </a:rPr>
-              <a:t>(), 0);</a:t>
-            </a:r>
-          </a:p>
-          <a:p>
-            <a:pPr lvl="3"/>
-            <a:r>
-              <a:rPr lang="en-US" sz="1100" dirty="0">
-                <a:solidFill>
-                  <a:srgbClr val="000000"/>
-                </a:solidFill>
-                <a:latin typeface="Cascadia Mono" panose="020B0609020000020004" pitchFamily="49" charset="0"/>
-              </a:rPr>
-              <a:t>std::fill(</a:t>
-            </a:r>
-            <a:r>
-              <a:rPr lang="en-US" sz="1100" dirty="0" err="1">
-                <a:solidFill>
-                  <a:srgbClr val="000000"/>
-                </a:solidFill>
-                <a:latin typeface="Cascadia Mono" panose="020B0609020000020004" pitchFamily="49" charset="0"/>
-              </a:rPr>
-              <a:t>centroidCounts.begin</a:t>
-            </a:r>
-            <a:r>
-              <a:rPr lang="en-US" sz="1100" dirty="0">
-                <a:solidFill>
-                  <a:srgbClr val="000000"/>
-                </a:solidFill>
-                <a:latin typeface="Cascadia Mono" panose="020B0609020000020004" pitchFamily="49" charset="0"/>
-              </a:rPr>
-              <a:t>(), </a:t>
-            </a:r>
-            <a:r>
-              <a:rPr lang="en-US" sz="1100" dirty="0" err="1">
-                <a:solidFill>
-                  <a:srgbClr val="000000"/>
-                </a:solidFill>
-                <a:latin typeface="Cascadia Mono" panose="020B0609020000020004" pitchFamily="49" charset="0"/>
-              </a:rPr>
-              <a:t>centroidCounts.end</a:t>
-            </a:r>
-            <a:r>
-              <a:rPr lang="en-US" sz="1100" dirty="0">
-                <a:solidFill>
-                  <a:srgbClr val="000000"/>
-                </a:solidFill>
-                <a:latin typeface="Cascadia Mono" panose="020B0609020000020004" pitchFamily="49" charset="0"/>
-              </a:rPr>
-              <a:t>(), 0);</a:t>
-            </a:r>
-          </a:p>
-          <a:p>
-            <a:pPr lvl="2"/>
-            <a:r>
-              <a:rPr lang="en-US" sz="1100" dirty="0">
-                <a:solidFill>
-                  <a:srgbClr val="000000"/>
-                </a:solidFill>
-                <a:latin typeface="Cascadia Mono" panose="020B0609020000020004" pitchFamily="49" charset="0"/>
-              </a:rPr>
-              <a:t>	}</a:t>
-            </a:r>
-          </a:p>
-          <a:p>
-            <a:pPr lvl="2"/>
-            <a:r>
-              <a:rPr lang="en-US" sz="1100" dirty="0">
-                <a:solidFill>
-                  <a:srgbClr val="000000"/>
-                </a:solidFill>
-                <a:latin typeface="Cascadia Mono" panose="020B0609020000020004" pitchFamily="49" charset="0"/>
-              </a:rPr>
-              <a:t>}</a:t>
-            </a:r>
-          </a:p>
-          <a:p>
-            <a:pPr lvl="2"/>
-            <a:r>
-              <a:rPr lang="en-US" sz="1100" dirty="0">
-                <a:solidFill>
-                  <a:srgbClr val="008000"/>
-                </a:solidFill>
-                <a:latin typeface="Cascadia Mono" panose="020B0609020000020004" pitchFamily="49" charset="0"/>
-              </a:rPr>
-              <a:t>// </a:t>
-            </a:r>
-            <a:r>
-              <a:rPr lang="en-US" sz="1100" dirty="0" err="1">
-                <a:solidFill>
-                  <a:srgbClr val="008000"/>
-                </a:solidFill>
-                <a:latin typeface="Cascadia Mono" panose="020B0609020000020004" pitchFamily="49" charset="0"/>
-              </a:rPr>
-              <a:t>kmeans</a:t>
-            </a:r>
-            <a:r>
-              <a:rPr lang="en-US" sz="1100" dirty="0">
-                <a:solidFill>
-                  <a:srgbClr val="008000"/>
-                </a:solidFill>
-                <a:latin typeface="Cascadia Mono" panose="020B0609020000020004" pitchFamily="49" charset="0"/>
-              </a:rPr>
-              <a:t> run end</a:t>
-            </a:r>
-            <a:endParaRPr lang="en-US" sz="1100" dirty="0">
-              <a:solidFill>
-                <a:srgbClr val="000000"/>
-              </a:solidFill>
-              <a:latin typeface="Cascadia Mono" panose="020B0609020000020004" pitchFamily="49" charset="0"/>
-            </a:endParaRPr>
-          </a:p>
-          <a:p>
-            <a:pPr lvl="1"/>
-            <a:endParaRPr lang="en-US" sz="1100" dirty="0">
-              <a:solidFill>
-                <a:srgbClr val="000000"/>
-              </a:solidFill>
-              <a:latin typeface="Cascadia Mono" panose="020B0609020000020004" pitchFamily="49" charset="0"/>
-            </a:endParaRPr>
-          </a:p>
-          <a:p>
-            <a:pPr lvl="1"/>
             <a:r>
               <a:rPr lang="en-US" sz="1100" dirty="0">
                 <a:solidFill>
@@ -16169,8 +16305,8 @@
         </p:nvSpPr>
         <p:spPr>
           <a:xfrm>
-            <a:off x="7302085" y="51433"/>
-            <a:ext cx="1391728" cy="215444"/>
+            <a:off x="7423914" y="51433"/>
+            <a:ext cx="1269899" cy="215444"/>
           </a:xfrm>
           <a:prstGeom prst="rect">
             <a:avLst/>
@@ -16192,8 +16328,25 @@
                 <a:latin typeface="Arial"/>
                 <a:cs typeface="Arial"/>
               </a:rPr>
-              <a:t>CUDA Image Processing</a:t>
-            </a:r>
+              <a:t>K-Means con </a:t>
+            </a:r>
+            <a:r>
+              <a:rPr lang="it-IT" sz="800" b="1" dirty="0" err="1">
+                <a:solidFill>
+                  <a:schemeClr val="bg1"/>
+                </a:solidFill>
+                <a:latin typeface="Arial"/>
+                <a:cs typeface="Arial"/>
+              </a:rPr>
+              <a:t>OpenMP</a:t>
+            </a:r>
+            <a:endParaRPr lang="it-IT" sz="800" b="1" dirty="0">
+              <a:solidFill>
+                <a:schemeClr val="bg1"/>
+              </a:solidFill>
+              <a:latin typeface="Arial"/>
+              <a:cs typeface="Arial"/>
+            </a:endParaRPr>
           </a:p>
         </p:txBody>
       </p:sp>
@@ -16946,8 +17099,8 @@
         </p:nvSpPr>
         <p:spPr>
           <a:xfrm>
-            <a:off x="7302085" y="51433"/>
-            <a:ext cx="1391728" cy="215444"/>
+            <a:off x="7423914" y="51433"/>
+            <a:ext cx="1269899" cy="215444"/>
           </a:xfrm>
           <a:prstGeom prst="rect">
             <a:avLst/>
@@ -16969,8 +17122,25 @@
                 <a:latin typeface="Arial"/>
                 <a:cs typeface="Arial"/>
               </a:rPr>
-              <a:t>CUDA Image Processing</a:t>
-            </a:r>
+              <a:t>K-Means con </a:t>
+            </a:r>
+            <a:r>
+              <a:rPr lang="it-IT" sz="800" b="1" dirty="0" err="1">
+                <a:solidFill>
+                  <a:schemeClr val="bg1"/>
+                </a:solidFill>
+                <a:latin typeface="Arial"/>
+                <a:cs typeface="Arial"/>
+              </a:rPr>
+              <a:t>OpenMP</a:t>
+            </a:r>
+            <a:endParaRPr lang="it-IT" sz="800" b="1" dirty="0">
+              <a:solidFill>
+                <a:schemeClr val="bg1"/>
+              </a:solidFill>
+              <a:latin typeface="Arial"/>
+              <a:cs typeface="Arial"/>
+            </a:endParaRPr>
           </a:p>
         </p:txBody>
       </p:sp>
@@ -17292,8 +17462,8 @@
         </p:nvSpPr>
         <p:spPr>
           <a:xfrm>
-            <a:off x="7302085" y="51433"/>
-            <a:ext cx="1391728" cy="215444"/>
+            <a:off x="7423914" y="51433"/>
+            <a:ext cx="1269899" cy="215444"/>
           </a:xfrm>
           <a:prstGeom prst="rect">
             <a:avLst/>
@@ -17315,8 +17485,25 @@
                 <a:latin typeface="Arial"/>
                 <a:cs typeface="Arial"/>
               </a:rPr>
-              <a:t>CUDA Image Processing</a:t>
-            </a:r>
+              <a:t>K-Means con </a:t>
+            </a:r>
+            <a:r>
+              <a:rPr lang="it-IT" sz="800" b="1" dirty="0" err="1">
+                <a:solidFill>
+                  <a:schemeClr val="bg1"/>
+                </a:solidFill>
+                <a:latin typeface="Arial"/>
+                <a:cs typeface="Arial"/>
+              </a:rPr>
+              <a:t>OpenMP</a:t>
+            </a:r>
+            <a:endParaRPr lang="it-IT" sz="800" b="1" dirty="0">
+              <a:solidFill>
+                <a:schemeClr val="bg1"/>
+              </a:solidFill>
+              <a:latin typeface="Arial"/>
+              <a:cs typeface="Arial"/>
+            </a:endParaRPr>
           </a:p>
         </p:txBody>
       </p:sp>
@@ -17674,8 +17861,8 @@
         </p:nvSpPr>
         <p:spPr>
           <a:xfrm>
-            <a:off x="7302085" y="51433"/>
-            <a:ext cx="1391728" cy="215444"/>
+            <a:off x="7423914" y="51433"/>
+            <a:ext cx="1269899" cy="215444"/>
           </a:xfrm>
           <a:prstGeom prst="rect">
             <a:avLst/>
@@ -17697,8 +17884,25 @@
                 <a:latin typeface="Arial"/>
                 <a:cs typeface="Arial"/>
               </a:rPr>
-              <a:t>CUDA Image Processing</a:t>
-            </a:r>
+              <a:t>K-Means con </a:t>
+            </a:r>
+            <a:r>
+              <a:rPr lang="it-IT" sz="800" b="1" dirty="0" err="1">
+                <a:solidFill>
+                  <a:schemeClr val="bg1"/>
+                </a:solidFill>
+                <a:latin typeface="Arial"/>
+                <a:cs typeface="Arial"/>
+              </a:rPr>
+              <a:t>OpenMP</a:t>
+            </a:r>
+            <a:endParaRPr lang="it-IT" sz="800" b="1" dirty="0">
+              <a:solidFill>
+                <a:schemeClr val="bg1"/>
+              </a:solidFill>
+              <a:latin typeface="Arial"/>
+              <a:cs typeface="Arial"/>
+            </a:endParaRPr>
           </a:p>
         </p:txBody>
       </p:sp>
@@ -18011,8 +18215,8 @@
         </p:nvSpPr>
         <p:spPr>
           <a:xfrm>
-            <a:off x="7302085" y="51433"/>
-            <a:ext cx="1391728" cy="215444"/>
+            <a:off x="7423914" y="51433"/>
+            <a:ext cx="1269899" cy="215444"/>
           </a:xfrm>
           <a:prstGeom prst="rect">
             <a:avLst/>
@@ -18034,8 +18238,25 @@
                 <a:latin typeface="Arial"/>
                 <a:cs typeface="Arial"/>
               </a:rPr>
-              <a:t>CUDA Image Processing</a:t>
-            </a:r>
+              <a:t>K-Means con </a:t>
+            </a:r>
+            <a:r>
+              <a:rPr lang="it-IT" sz="800" b="1" dirty="0" err="1">
+                <a:solidFill>
+                  <a:schemeClr val="bg1"/>
+                </a:solidFill>
+                <a:latin typeface="Arial"/>
+                <a:cs typeface="Arial"/>
+              </a:rPr>
+              <a:t>OpenMP</a:t>
+            </a:r>
+            <a:endParaRPr lang="it-IT" sz="800" b="1" dirty="0">
+              <a:solidFill>
+                <a:schemeClr val="bg1"/>
+              </a:solidFill>
+              <a:latin typeface="Arial"/>
+              <a:cs typeface="Arial"/>
+            </a:endParaRPr>
           </a:p>
         </p:txBody>
       </p:sp>
@@ -18343,8 +18564,8 @@
         </p:nvSpPr>
         <p:spPr>
           <a:xfrm>
-            <a:off x="7302085" y="51433"/>
-            <a:ext cx="1391728" cy="215444"/>
+            <a:off x="7423914" y="51433"/>
+            <a:ext cx="1269899" cy="215444"/>
           </a:xfrm>
           <a:prstGeom prst="rect">
             <a:avLst/>
@@ -18366,8 +18587,25 @@
                 <a:latin typeface="Arial"/>
                 <a:cs typeface="Arial"/>
               </a:rPr>
-              <a:t>CUDA Image Processing</a:t>
-            </a:r>
+              <a:t>K-Means con </a:t>
+            </a:r>
+            <a:r>
+              <a:rPr lang="it-IT" sz="800" b="1" dirty="0" err="1">
+                <a:solidFill>
+                  <a:schemeClr val="bg1"/>
+                </a:solidFill>
+                <a:latin typeface="Arial"/>
+                <a:cs typeface="Arial"/>
+              </a:rPr>
+              <a:t>OpenMP</a:t>
+            </a:r>
+            <a:endParaRPr lang="it-IT" sz="800" b="1" dirty="0">
+              <a:solidFill>
+                <a:schemeClr val="bg1"/>
+              </a:solidFill>
+              <a:latin typeface="Arial"/>
+              <a:cs typeface="Arial"/>
+            </a:endParaRPr>
           </a:p>
         </p:txBody>
       </p:sp>
@@ -18685,8 +18923,8 @@
         </p:nvSpPr>
         <p:spPr>
           <a:xfrm>
-            <a:off x="7302085" y="51433"/>
-            <a:ext cx="1391728" cy="215444"/>
+            <a:off x="7423914" y="51433"/>
+            <a:ext cx="1269899" cy="215444"/>
           </a:xfrm>
           <a:prstGeom prst="rect">
             <a:avLst/>
@@ -18708,8 +18946,25 @@
                 <a:latin typeface="Arial"/>
                 <a:cs typeface="Arial"/>
               </a:rPr>
-              <a:t>CUDA Image Processing</a:t>
-            </a:r>
+              <a:t>K-Means con </a:t>
+            </a:r>
+            <a:r>
+              <a:rPr lang="it-IT" sz="800" b="1" dirty="0" err="1">
+                <a:solidFill>
+                  <a:schemeClr val="bg1"/>
+                </a:solidFill>
+                <a:latin typeface="Arial"/>
+                <a:cs typeface="Arial"/>
+              </a:rPr>
+              <a:t>OpenMP</a:t>
+            </a:r>
+            <a:endParaRPr lang="it-IT" sz="800" b="1" dirty="0">
+              <a:solidFill>
+                <a:schemeClr val="bg1"/>
+              </a:solidFill>
+              <a:latin typeface="Arial"/>
+              <a:cs typeface="Arial"/>
+            </a:endParaRPr>
           </a:p>
         </p:txBody>
       </p:sp>
@@ -19015,8 +19270,8 @@
         </p:nvSpPr>
         <p:spPr>
           <a:xfrm>
-            <a:off x="7302085" y="51433"/>
-            <a:ext cx="1391728" cy="215444"/>
+            <a:off x="7423914" y="51433"/>
+            <a:ext cx="1269899" cy="215444"/>
           </a:xfrm>
           <a:prstGeom prst="rect">
             <a:avLst/>
@@ -19038,8 +19293,25 @@
                 <a:latin typeface="Arial"/>
                 <a:cs typeface="Arial"/>
               </a:rPr>
-              <a:t>CUDA Image Processing</a:t>
-            </a:r>
+              <a:t>K-Means con </a:t>
+            </a:r>
+            <a:r>
+              <a:rPr lang="it-IT" sz="800" b="1" dirty="0" err="1">
+                <a:solidFill>
+                  <a:schemeClr val="bg1"/>
+                </a:solidFill>
+                <a:latin typeface="Arial"/>
+                <a:cs typeface="Arial"/>
+              </a:rPr>
+              <a:t>OpenMP</a:t>
+            </a:r>
+            <a:endParaRPr lang="it-IT" sz="800" b="1" dirty="0">
+              <a:solidFill>
+                <a:schemeClr val="bg1"/>
+              </a:solidFill>
+              <a:latin typeface="Arial"/>
+              <a:cs typeface="Arial"/>
+            </a:endParaRPr>
           </a:p>
         </p:txBody>
       </p:sp>
@@ -19345,8 +19617,8 @@
         </p:nvSpPr>
         <p:spPr>
           <a:xfrm>
-            <a:off x="7302085" y="51433"/>
-            <a:ext cx="1391728" cy="215444"/>
+            <a:off x="7423914" y="51433"/>
+            <a:ext cx="1269899" cy="215444"/>
           </a:xfrm>
           <a:prstGeom prst="rect">
             <a:avLst/>
@@ -19368,8 +19640,25 @@
                 <a:latin typeface="Arial"/>
                 <a:cs typeface="Arial"/>
               </a:rPr>
-              <a:t>CUDA Image Processing</a:t>
-            </a:r>
+              <a:t>K-Means con </a:t>
+            </a:r>
+            <a:r>
+              <a:rPr lang="it-IT" sz="800" b="1" dirty="0" err="1">
+                <a:solidFill>
+                  <a:schemeClr val="bg1"/>
+                </a:solidFill>
+                <a:latin typeface="Arial"/>
+                <a:cs typeface="Arial"/>
+              </a:rPr>
+              <a:t>OpenMP</a:t>
+            </a:r>
+            <a:endParaRPr lang="it-IT" sz="800" b="1" dirty="0">
+              <a:solidFill>
+                <a:schemeClr val="bg1"/>
+              </a:solidFill>
+              <a:latin typeface="Arial"/>
+              <a:cs typeface="Arial"/>
+            </a:endParaRPr>
           </a:p>
         </p:txBody>
       </p:sp>
@@ -19770,8 +20059,8 @@
         </p:nvSpPr>
         <p:spPr>
           <a:xfrm>
-            <a:off x="7302085" y="51433"/>
-            <a:ext cx="1391728" cy="215444"/>
+            <a:off x="7423914" y="51433"/>
+            <a:ext cx="1269899" cy="215444"/>
           </a:xfrm>
           <a:prstGeom prst="rect">
             <a:avLst/>
@@ -19793,8 +20082,25 @@
                 <a:latin typeface="Arial"/>
                 <a:cs typeface="Arial"/>
               </a:rPr>
-              <a:t>CUDA Image Processing</a:t>
-            </a:r>
+              <a:t>K-Means con </a:t>
+            </a:r>
+            <a:r>
+              <a:rPr lang="it-IT" sz="800" b="1" dirty="0" err="1">
+                <a:solidFill>
+                  <a:schemeClr val="bg1"/>
+                </a:solidFill>
+                <a:latin typeface="Arial"/>
+                <a:cs typeface="Arial"/>
+              </a:rPr>
+              <a:t>OpenMP</a:t>
+            </a:r>
+            <a:endParaRPr lang="it-IT" sz="800" b="1" dirty="0">
+              <a:solidFill>
+                <a:schemeClr val="bg1"/>
+              </a:solidFill>
+              <a:latin typeface="Arial"/>
+              <a:cs typeface="Arial"/>
+            </a:endParaRPr>
           </a:p>
         </p:txBody>
       </p:sp>
@@ -20140,8 +20446,8 @@
         </p:nvSpPr>
         <p:spPr>
           <a:xfrm>
-            <a:off x="7302085" y="51433"/>
-            <a:ext cx="1391728" cy="215444"/>
+            <a:off x="7423914" y="51433"/>
+            <a:ext cx="1269899" cy="215444"/>
           </a:xfrm>
           <a:prstGeom prst="rect">
             <a:avLst/>
@@ -20163,8 +20469,25 @@
                 <a:latin typeface="Arial"/>
                 <a:cs typeface="Arial"/>
               </a:rPr>
-              <a:t>CUDA Image Processing</a:t>
-            </a:r>
+              <a:t>K-Means con </a:t>
+            </a:r>
+            <a:r>
+              <a:rPr lang="it-IT" sz="800" b="1" dirty="0" err="1">
+                <a:solidFill>
+                  <a:schemeClr val="bg1"/>
+                </a:solidFill>
+                <a:latin typeface="Arial"/>
+                <a:cs typeface="Arial"/>
+              </a:rPr>
+              <a:t>OpenMP</a:t>
+            </a:r>
+            <a:endParaRPr lang="it-IT" sz="800" b="1" dirty="0">
+              <a:solidFill>
+                <a:schemeClr val="bg1"/>
+              </a:solidFill>
+              <a:latin typeface="Arial"/>
+              <a:cs typeface="Arial"/>
+            </a:endParaRPr>
           </a:p>
         </p:txBody>
       </p:sp>
@@ -20585,8 +20908,8 @@
         </p:nvSpPr>
         <p:spPr>
           <a:xfrm>
-            <a:off x="7302085" y="51433"/>
-            <a:ext cx="1391728" cy="215444"/>
+            <a:off x="7423914" y="51433"/>
+            <a:ext cx="1269899" cy="215444"/>
           </a:xfrm>
           <a:prstGeom prst="rect">
             <a:avLst/>
@@ -20608,8 +20931,25 @@
                 <a:latin typeface="Arial"/>
                 <a:cs typeface="Arial"/>
               </a:rPr>
-              <a:t>CUDA Image Processing</a:t>
-            </a:r>
+              <a:t>K-Means con </a:t>
+            </a:r>
+            <a:r>
+              <a:rPr lang="it-IT" sz="800" b="1" dirty="0" err="1">
+                <a:solidFill>
+                  <a:schemeClr val="bg1"/>
+                </a:solidFill>
+                <a:latin typeface="Arial"/>
+                <a:cs typeface="Arial"/>
+              </a:rPr>
+              <a:t>OpenMP</a:t>
+            </a:r>
+            <a:endParaRPr lang="it-IT" sz="800" b="1" dirty="0">
+              <a:solidFill>
+                <a:schemeClr val="bg1"/>
+              </a:solidFill>
+              <a:latin typeface="Arial"/>
+              <a:cs typeface="Arial"/>
+            </a:endParaRPr>
           </a:p>
         </p:txBody>
       </p:sp>
@@ -21001,8 +21341,8 @@
         </p:nvSpPr>
         <p:spPr>
           <a:xfrm>
-            <a:off x="7302085" y="51433"/>
-            <a:ext cx="1391728" cy="215444"/>
+            <a:off x="7423914" y="51433"/>
+            <a:ext cx="1269899" cy="215444"/>
           </a:xfrm>
           <a:prstGeom prst="rect">
             <a:avLst/>
@@ -21024,8 +21364,25 @@
                 <a:latin typeface="Arial"/>
                 <a:cs typeface="Arial"/>
               </a:rPr>
-              <a:t>CUDA Image Processing</a:t>
-            </a:r>
+              <a:t>K-Means con </a:t>
+            </a:r>
+            <a:r>
+              <a:rPr lang="it-IT" sz="800" b="1" dirty="0" err="1">
+                <a:solidFill>
+                  <a:schemeClr val="bg1"/>
+                </a:solidFill>
+                <a:latin typeface="Arial"/>
+                <a:cs typeface="Arial"/>
+              </a:rPr>
+              <a:t>OpenMP</a:t>
+            </a:r>
+            <a:endParaRPr lang="it-IT" sz="800" b="1" dirty="0">
+              <a:solidFill>
+                <a:schemeClr val="bg1"/>
+              </a:solidFill>
+              <a:latin typeface="Arial"/>
+              <a:cs typeface="Arial"/>
+            </a:endParaRPr>
           </a:p>
         </p:txBody>
       </p:sp>
@@ -21440,8 +21797,8 @@
         </p:nvSpPr>
         <p:spPr>
           <a:xfrm>
-            <a:off x="7302085" y="51433"/>
-            <a:ext cx="1391728" cy="215444"/>
+            <a:off x="7423914" y="51433"/>
+            <a:ext cx="1269899" cy="215444"/>
           </a:xfrm>
           <a:prstGeom prst="rect">
             <a:avLst/>
@@ -21463,8 +21820,25 @@
                 <a:latin typeface="Arial"/>
                 <a:cs typeface="Arial"/>
               </a:rPr>
-              <a:t>CUDA Image Processing</a:t>
-            </a:r>
+              <a:t>K-Means con </a:t>
+            </a:r>
+            <a:r>
+              <a:rPr lang="it-IT" sz="800" b="1" dirty="0" err="1">
+                <a:solidFill>
+                  <a:schemeClr val="bg1"/>
+                </a:solidFill>
+                <a:latin typeface="Arial"/>
+                <a:cs typeface="Arial"/>
+              </a:rPr>
+              <a:t>OpenMP</a:t>
+            </a:r>
+            <a:endParaRPr lang="it-IT" sz="800" b="1" dirty="0">
+              <a:solidFill>
+                <a:schemeClr val="bg1"/>
+              </a:solidFill>
+              <a:latin typeface="Arial"/>
+              <a:cs typeface="Arial"/>
+            </a:endParaRPr>
           </a:p>
         </p:txBody>
       </p:sp>
@@ -21835,8 +22209,8 @@
         </p:nvSpPr>
         <p:spPr>
           <a:xfrm>
-            <a:off x="7302085" y="51433"/>
-            <a:ext cx="1391728" cy="215444"/>
+            <a:off x="7423914" y="51433"/>
+            <a:ext cx="1269899" cy="215444"/>
           </a:xfrm>
           <a:prstGeom prst="rect">
             <a:avLst/>
@@ -21858,8 +22232,25 @@
                 <a:latin typeface="Arial"/>
                 <a:cs typeface="Arial"/>
               </a:rPr>
-              <a:t>CUDA Image Processing</a:t>
-            </a:r>
+              <a:t>K-Means con </a:t>
+            </a:r>
+            <a:r>
+              <a:rPr lang="it-IT" sz="800" b="1" dirty="0" err="1">
+                <a:solidFill>
+                  <a:schemeClr val="bg1"/>
+                </a:solidFill>
+                <a:latin typeface="Arial"/>
+                <a:cs typeface="Arial"/>
+              </a:rPr>
+              <a:t>OpenMP</a:t>
+            </a:r>
+            <a:endParaRPr lang="it-IT" sz="800" b="1" dirty="0">
+              <a:solidFill>
+                <a:schemeClr val="bg1"/>
+              </a:solidFill>
+              <a:latin typeface="Arial"/>
+              <a:cs typeface="Arial"/>
+            </a:endParaRPr>
           </a:p>
         </p:txBody>
       </p:sp>
@@ -21960,7 +22351,7 @@
       </p:sp>
       <p:pic>
         <p:nvPicPr>
-          <p:cNvPr id="4" name="Immagine 3" descr="Immagine che contiene testo, schermata, Carattere, design&#10;&#10;Descrizione generata automaticamente">
+          <p:cNvPr id="4" name="Immagine 3">
             <a:extLst>
               <a:ext uri="{FF2B5EF4-FFF2-40B4-BE49-F238E27FC236}">
                 <a16:creationId xmlns:a16="http://schemas.microsoft.com/office/drawing/2014/main" id="{307C11FB-0275-BFE5-E238-6F121B0CA79F}"/>
@@ -21974,14 +22365,13 @@
         </p:nvPicPr>
         <p:blipFill>
           <a:blip r:embed="rId4"/>
-          <a:stretch>
-            <a:fillRect/>
-          </a:stretch>
+          <a:srcRect/>
+          <a:stretch/>
         </p:blipFill>
         <p:spPr>
           <a:xfrm>
             <a:off x="3314789" y="24970"/>
-            <a:ext cx="2249588" cy="6858000"/>
+            <a:ext cx="2249587" cy="6858000"/>
           </a:xfrm>
           <a:prstGeom prst="rect">
             <a:avLst/>
@@ -22306,8 +22696,8 @@
         </p:nvSpPr>
         <p:spPr>
           <a:xfrm>
-            <a:off x="7302085" y="51433"/>
-            <a:ext cx="1391728" cy="215444"/>
+            <a:off x="7423914" y="51433"/>
+            <a:ext cx="1269899" cy="215444"/>
           </a:xfrm>
           <a:prstGeom prst="rect">
             <a:avLst/>
@@ -22329,8 +22719,25 @@
                 <a:latin typeface="Arial"/>
                 <a:cs typeface="Arial"/>
               </a:rPr>
-              <a:t>CUDA Image Processing</a:t>
-            </a:r>
+              <a:t>K-Means con </a:t>
+            </a:r>
+            <a:r>
+              <a:rPr lang="it-IT" sz="800" b="1" dirty="0" err="1">
+                <a:solidFill>
+                  <a:schemeClr val="bg1"/>
+                </a:solidFill>
+                <a:latin typeface="Arial"/>
+                <a:cs typeface="Arial"/>
+              </a:rPr>
+              <a:t>OpenMP</a:t>
+            </a:r>
+            <a:endParaRPr lang="it-IT" sz="800" b="1" dirty="0">
+              <a:solidFill>
+                <a:schemeClr val="bg1"/>
+              </a:solidFill>
+              <a:latin typeface="Arial"/>
+              <a:cs typeface="Arial"/>
+            </a:endParaRPr>
           </a:p>
         </p:txBody>
       </p:sp>
@@ -22598,8 +23005,8 @@
         </p:nvSpPr>
         <p:spPr>
           <a:xfrm>
-            <a:off x="7302085" y="51433"/>
-            <a:ext cx="1391728" cy="215444"/>
+            <a:off x="7423914" y="51433"/>
+            <a:ext cx="1269899" cy="215444"/>
           </a:xfrm>
           <a:prstGeom prst="rect">
             <a:avLst/>
@@ -22621,8 +23028,25 @@
                 <a:latin typeface="Arial"/>
                 <a:cs typeface="Arial"/>
               </a:rPr>
-              <a:t>CUDA Image Processing</a:t>
-            </a:r>
+              <a:t>K-Means con </a:t>
+            </a:r>
+            <a:r>
+              <a:rPr lang="it-IT" sz="800" b="1" dirty="0" err="1">
+                <a:solidFill>
+                  <a:schemeClr val="bg1"/>
+                </a:solidFill>
+                <a:latin typeface="Arial"/>
+                <a:cs typeface="Arial"/>
+              </a:rPr>
+              <a:t>OpenMP</a:t>
+            </a:r>
+            <a:endParaRPr lang="it-IT" sz="800" b="1" dirty="0">
+              <a:solidFill>
+                <a:schemeClr val="bg1"/>
+              </a:solidFill>
+              <a:latin typeface="Arial"/>
+              <a:cs typeface="Arial"/>
+            </a:endParaRPr>
           </a:p>
         </p:txBody>
       </p:sp>
